--- a/HabitTracker.pptx
+++ b/HabitTracker.pptx
@@ -5,10 +5,10 @@
     <p:sldMasterId id="2147483648" r:id="rId1"/>
   </p:sldMasterIdLst>
   <p:notesMasterIdLst>
-    <p:notesMasterId r:id="rId40"/>
+    <p:notesMasterId r:id="rId41"/>
   </p:notesMasterIdLst>
   <p:handoutMasterIdLst>
-    <p:handoutMasterId r:id="rId41"/>
+    <p:handoutMasterId r:id="rId42"/>
   </p:handoutMasterIdLst>
   <p:sldIdLst>
     <p:sldId id="257" r:id="rId3"/>
@@ -39,15 +39,16 @@
     <p:sldId id="320" r:id="rId28"/>
     <p:sldId id="323" r:id="rId29"/>
     <p:sldId id="322" r:id="rId30"/>
-    <p:sldId id="324" r:id="rId31"/>
-    <p:sldId id="325" r:id="rId32"/>
-    <p:sldId id="307" r:id="rId33"/>
-    <p:sldId id="327" r:id="rId34"/>
-    <p:sldId id="328" r:id="rId35"/>
-    <p:sldId id="329" r:id="rId36"/>
-    <p:sldId id="330" r:id="rId37"/>
-    <p:sldId id="264" r:id="rId38"/>
-    <p:sldId id="284" r:id="rId39"/>
+    <p:sldId id="341" r:id="rId31"/>
+    <p:sldId id="324" r:id="rId32"/>
+    <p:sldId id="325" r:id="rId33"/>
+    <p:sldId id="342" r:id="rId34"/>
+    <p:sldId id="327" r:id="rId35"/>
+    <p:sldId id="328" r:id="rId36"/>
+    <p:sldId id="329" r:id="rId37"/>
+    <p:sldId id="330" r:id="rId38"/>
+    <p:sldId id="264" r:id="rId39"/>
+    <p:sldId id="284" r:id="rId40"/>
   </p:sldIdLst>
   <p:sldSz cx="12192000" cy="6858000"/>
   <p:notesSz cx="6858000" cy="9144000"/>
@@ -11243,7 +11244,7 @@
           <a:p>
             <a:r>
               <a:rPr lang="en-US" sz="2400"/>
-              <a:t>2. Numarul dezile logate pentru luna curenta</a:t>
+              <a:t>2. Numarul de zile logate pentru luna curenta</a:t>
             </a:r>
             <a:endParaRPr lang="en-US" sz="2400"/>
           </a:p>
@@ -11263,7 +11264,7 @@
           <a:p>
             <a:r>
               <a:rPr lang="en-US" sz="2400"/>
-              <a:t>4. Rata de success a inceplinirii obiceiului pentru anul curent</a:t>
+              <a:t>4. Rata de success a indeplinirii obiceiului pentru anul curent</a:t>
             </a:r>
             <a:endParaRPr lang="en-US" sz="2400"/>
           </a:p>
@@ -13124,141 +13125,68 @@
           </a:p>
         </p:txBody>
       </p:sp>
-      <p:sp>
-        <p:nvSpPr>
-          <p:cNvPr id="13" name="Text Box 12"/>
-          <p:cNvSpPr txBox="1"/>
-          <p:nvPr/>
-        </p:nvSpPr>
-        <p:spPr>
-          <a:xfrm>
-            <a:off x="2145030" y="755015"/>
-            <a:ext cx="9525000" cy="5077460"/>
+      <p:pic>
+        <p:nvPicPr>
+          <p:cNvPr id="2" name="Picture 1" descr="listainsigne"/>
+          <p:cNvPicPr>
+            <a:picLocks noChangeAspect="1"/>
+          </p:cNvPicPr>
+          <p:nvPr/>
+        </p:nvPicPr>
+        <p:blipFill>
+          <a:blip r:embed="rId2"/>
+          <a:stretch>
+            <a:fillRect/>
+          </a:stretch>
+        </p:blipFill>
+        <p:spPr>
+          <a:xfrm>
+            <a:off x="2058670" y="1572895"/>
+            <a:ext cx="5059680" cy="3835400"/>
           </a:xfrm>
           <a:prstGeom prst="rect">
             <a:avLst/>
           </a:prstGeom>
-        </p:spPr>
-        <p:style>
-          <a:lnRef idx="2">
-            <a:schemeClr val="accent1">
-              <a:shade val="50000"/>
-            </a:schemeClr>
-          </a:lnRef>
-          <a:fillRef idx="1">
-            <a:schemeClr val="accent1"/>
-          </a:fillRef>
-          <a:effectRef idx="0">
-            <a:schemeClr val="accent1"/>
-          </a:effectRef>
-          <a:fontRef idx="minor">
-            <a:schemeClr val="lt1"/>
-          </a:fontRef>
-        </p:style>
-        <p:txBody>
-          <a:bodyPr wrap="square" rtlCol="0">
-            <a:spAutoFit/>
-          </a:bodyPr>
-          <a:p>
-            <a:r>
-              <a:rPr lang="en-US"/>
-              <a:t>create trigger GainBadge after insert on habit_history </a:t>
-            </a:r>
-            <a:endParaRPr lang="en-US"/>
-          </a:p>
-          <a:p>
-            <a:r>
-              <a:rPr lang="en-US"/>
-              <a:t>-- acest trigger se apeleaza in momentul in care un utilizator logheaza un obicei ca si efectuat.Se va calcula daca numarul total de logari pentru acel obicei se afla intre valorile definite si in acel caz va initia operatia de insert in tabela care tine evidenta badgeurilor obtinute de utilizatori, acordand badge-ul corespunzator userului.</a:t>
-            </a:r>
-            <a:endParaRPr lang="en-US"/>
-          </a:p>
-          <a:p>
-            <a:r>
-              <a:rPr lang="en-US"/>
-              <a:t>FOR EACH ROW </a:t>
-            </a:r>
-            <a:endParaRPr lang="en-US"/>
-          </a:p>
-          <a:p>
-            <a:r>
-              <a:rPr lang="en-US"/>
-              <a:t>  BEGIN</a:t>
-            </a:r>
-            <a:endParaRPr lang="en-US"/>
-          </a:p>
-          <a:p>
-            <a:r>
-              <a:rPr lang="en-US"/>
-              <a:t>SET @x = (</a:t>
-            </a:r>
-            <a:endParaRPr lang="en-US"/>
-          </a:p>
-          <a:p>
-            <a:r>
-              <a:rPr lang="en-US"/>
-              <a:t> select count(habit_id) as done from habit_history where habit_id=new.habit_id and user_id =new.user_id and marked_as=1 and year(date_marked)=YEAR(CURDATE())</a:t>
-            </a:r>
-            <a:endParaRPr lang="en-US"/>
-          </a:p>
-          <a:p>
-            <a:r>
-              <a:rPr lang="en-US"/>
-              <a:t>);</a:t>
-            </a:r>
-            <a:endParaRPr lang="en-US"/>
-          </a:p>
-          <a:p>
-            <a:r>
-              <a:rPr lang="en-US"/>
-              <a:t>   IF ( @x &gt; 0 AND @x&lt;5 ) THEN</a:t>
-            </a:r>
-            <a:endParaRPr lang="en-US"/>
-          </a:p>
-          <a:p>
-            <a:r>
-              <a:rPr lang="en-US"/>
-              <a:t>   insert into badge_history (badge_id, user_id) values (1, new.user_id);</a:t>
-            </a:r>
-            <a:endParaRPr lang="en-US"/>
-          </a:p>
-          <a:p>
-            <a:r>
-              <a:rPr lang="en-US"/>
-              <a:t>   elseif ( @x &gt;= 5 AND @x&lt;10) THEN</a:t>
-            </a:r>
-            <a:endParaRPr lang="en-US"/>
-          </a:p>
-          <a:p>
-            <a:r>
-              <a:rPr lang="en-US"/>
-              <a:t>   insert into badge_history (badge_id, user_id) values (2, new.user_id);</a:t>
-            </a:r>
-            <a:endParaRPr lang="en-US"/>
-          </a:p>
-          <a:p>
-            <a:r>
-              <a:rPr lang="en-US"/>
-              <a:t>   elseif ( @x &gt;= 10 AND @x&lt;30) THEN</a:t>
-            </a:r>
-            <a:endParaRPr lang="en-US"/>
-          </a:p>
-          <a:p>
-            <a:r>
-              <a:rPr lang="en-US"/>
-              <a:t>   insert into badge_history (badge_id, user_id) values (3, new.user_id);</a:t>
-            </a:r>
-            <a:endParaRPr lang="en-US"/>
-          </a:p>
-          <a:p>
-            <a:r>
-              <a:rPr lang="en-US"/>
-              <a:t>  end if ;</a:t>
-            </a:r>
-            <a:endParaRPr lang="en-US"/>
-          </a:p>
-        </p:txBody>
-      </p:sp>
+          <a:effectLst>
+            <a:outerShdw blurRad="63500" sx="102000" sy="102000" algn="ctr" rotWithShape="0">
+              <a:prstClr val="black">
+                <a:alpha val="40000"/>
+              </a:prstClr>
+            </a:outerShdw>
+          </a:effectLst>
+        </p:spPr>
+      </p:pic>
+      <p:pic>
+        <p:nvPicPr>
+          <p:cNvPr id="3" name="Picture 2" descr="badge"/>
+          <p:cNvPicPr>
+            <a:picLocks noChangeAspect="1"/>
+          </p:cNvPicPr>
+          <p:nvPr/>
+        </p:nvPicPr>
+        <p:blipFill>
+          <a:blip r:embed="rId3"/>
+          <a:stretch>
+            <a:fillRect/>
+          </a:stretch>
+        </p:blipFill>
+        <p:spPr>
+          <a:xfrm>
+            <a:off x="7313930" y="394335"/>
+            <a:ext cx="4643120" cy="5928995"/>
+          </a:xfrm>
+          <a:prstGeom prst="rect">
+            <a:avLst/>
+          </a:prstGeom>
+          <a:effectLst>
+            <a:outerShdw blurRad="63500" sx="102000" sy="102000" algn="ctr" rotWithShape="0">
+              <a:prstClr val="black">
+                <a:alpha val="40000"/>
+              </a:prstClr>
+            </a:outerShdw>
+          </a:effectLst>
+        </p:spPr>
+      </p:pic>
     </p:spTree>
   </p:cSld>
   <p:clrMapOvr>
@@ -14020,22 +13948,46 @@
         <p:nvPr/>
       </p:nvGrpSpPr>
       <p:grpSpPr/>
+      <p:pic>
+        <p:nvPicPr>
+          <p:cNvPr id="5" name="Picture 4" descr="structura"/>
+          <p:cNvPicPr>
+            <a:picLocks noChangeAspect="1"/>
+          </p:cNvPicPr>
+          <p:nvPr/>
+        </p:nvPicPr>
+        <p:blipFill>
+          <a:blip r:embed="rId1"/>
+          <a:stretch>
+            <a:fillRect/>
+          </a:stretch>
+        </p:blipFill>
+        <p:spPr>
+          <a:xfrm>
+            <a:off x="173355" y="104140"/>
+            <a:ext cx="1690370" cy="3568065"/>
+          </a:xfrm>
+          <a:prstGeom prst="rect">
+            <a:avLst/>
+          </a:prstGeom>
+        </p:spPr>
+      </p:pic>
       <p:sp>
         <p:nvSpPr>
-          <p:cNvPr id="4" name="椭圆 3"/>
+          <p:cNvPr id="9" name="椭圆 12"/>
           <p:cNvSpPr/>
           <p:nvPr/>
         </p:nvSpPr>
         <p:spPr>
           <a:xfrm>
-            <a:off x="8351838" y="4391025"/>
-            <a:ext cx="841375" cy="841375"/>
+            <a:off x="371475" y="1704975"/>
+            <a:ext cx="154940" cy="132080"/>
           </a:xfrm>
           <a:prstGeom prst="ellipse">
             <a:avLst/>
           </a:prstGeom>
           <a:solidFill>
-            <a:srgbClr val="6A3C7C"/>
+            <a:srgbClr val="FFBF53"/>
           </a:solidFill>
           <a:ln w="28575">
             <a:solidFill>
@@ -14070,7 +14022,6 @@
           <a:bodyPr wrap="square" rtlCol="0" anchor="ctr">
             <a:noAutofit/>
           </a:bodyPr>
-          <a:lstStyle/>
           <a:p>
             <a:pPr marL="0" marR="0" lvl="0" indent="0" algn="ctr" defTabSz="914400" rtl="0" eaLnBrk="1" fontAlgn="auto" latinLnBrk="0" hangingPunct="1">
               <a:lnSpc>
@@ -14107,14 +14058,14 @@
       </p:sp>
       <p:sp>
         <p:nvSpPr>
-          <p:cNvPr id="6" name="椭圆 5"/>
+          <p:cNvPr id="7" name="椭圆 12"/>
           <p:cNvSpPr/>
           <p:nvPr/>
         </p:nvSpPr>
         <p:spPr>
           <a:xfrm>
-            <a:off x="8923338" y="4132263"/>
-            <a:ext cx="517525" cy="517525"/>
+            <a:off x="371475" y="262255"/>
+            <a:ext cx="154940" cy="132080"/>
           </a:xfrm>
           <a:prstGeom prst="ellipse">
             <a:avLst/>
@@ -14155,7 +14106,6 @@
           <a:bodyPr wrap="square" rtlCol="0" anchor="ctr">
             <a:noAutofit/>
           </a:bodyPr>
-          <a:lstStyle/>
           <a:p>
             <a:pPr marL="0" marR="0" lvl="0" indent="0" algn="ctr" defTabSz="914400" rtl="0" eaLnBrk="1" fontAlgn="auto" latinLnBrk="0" hangingPunct="1">
               <a:lnSpc>
@@ -14192,20 +14142,20 @@
       </p:sp>
       <p:sp>
         <p:nvSpPr>
-          <p:cNvPr id="7" name="椭圆 6"/>
+          <p:cNvPr id="8" name="椭圆 12"/>
           <p:cNvSpPr/>
           <p:nvPr/>
         </p:nvSpPr>
         <p:spPr>
           <a:xfrm>
-            <a:off x="8178800" y="3921125"/>
-            <a:ext cx="346075" cy="346075"/>
+            <a:off x="371475" y="1704975"/>
+            <a:ext cx="154940" cy="132080"/>
           </a:xfrm>
           <a:prstGeom prst="ellipse">
             <a:avLst/>
           </a:prstGeom>
           <a:solidFill>
-            <a:srgbClr val="F07474"/>
+            <a:srgbClr val="FFBF53"/>
           </a:solidFill>
           <a:ln w="28575">
             <a:solidFill>
@@ -14240,7 +14190,6 @@
           <a:bodyPr wrap="square" rtlCol="0" anchor="ctr">
             <a:noAutofit/>
           </a:bodyPr>
-          <a:lstStyle/>
           <a:p>
             <a:pPr marL="0" marR="0" lvl="0" indent="0" algn="ctr" defTabSz="914400" rtl="0" eaLnBrk="1" fontAlgn="auto" latinLnBrk="0" hangingPunct="1">
               <a:lnSpc>
@@ -14277,20 +14226,20 @@
       </p:sp>
       <p:sp>
         <p:nvSpPr>
-          <p:cNvPr id="12" name="椭圆 11"/>
+          <p:cNvPr id="10" name="椭圆 12"/>
           <p:cNvSpPr/>
           <p:nvPr/>
         </p:nvSpPr>
         <p:spPr>
           <a:xfrm>
-            <a:off x="4205288" y="1533525"/>
-            <a:ext cx="3748088" cy="3748088"/>
+            <a:off x="371475" y="1572895"/>
+            <a:ext cx="154940" cy="132080"/>
           </a:xfrm>
           <a:prstGeom prst="ellipse">
             <a:avLst/>
           </a:prstGeom>
           <a:solidFill>
-            <a:srgbClr val="F07474"/>
+            <a:srgbClr val="FFBF53"/>
           </a:solidFill>
           <a:ln w="28575">
             <a:solidFill>
@@ -14325,7 +14274,6 @@
           <a:bodyPr wrap="square" rtlCol="0" anchor="ctr">
             <a:noAutofit/>
           </a:bodyPr>
-          <a:lstStyle/>
           <a:p>
             <a:pPr marL="0" marR="0" lvl="0" indent="0" algn="ctr" defTabSz="914400" rtl="0" eaLnBrk="1" fontAlgn="auto" latinLnBrk="0" hangingPunct="1">
               <a:lnSpc>
@@ -14362,20 +14310,173 @@
       </p:sp>
       <p:sp>
         <p:nvSpPr>
-          <p:cNvPr id="5" name="椭圆 4"/>
+          <p:cNvPr id="13" name="Text Box 12"/>
+          <p:cNvSpPr txBox="1"/>
+          <p:nvPr/>
+        </p:nvSpPr>
+        <p:spPr>
+          <a:xfrm>
+            <a:off x="2145030" y="755015"/>
+            <a:ext cx="9525000" cy="5077460"/>
+          </a:xfrm>
+          <a:prstGeom prst="rect">
+            <a:avLst/>
+          </a:prstGeom>
+        </p:spPr>
+        <p:style>
+          <a:lnRef idx="2">
+            <a:schemeClr val="accent1">
+              <a:shade val="50000"/>
+            </a:schemeClr>
+          </a:lnRef>
+          <a:fillRef idx="1">
+            <a:schemeClr val="accent1"/>
+          </a:fillRef>
+          <a:effectRef idx="0">
+            <a:schemeClr val="accent1"/>
+          </a:effectRef>
+          <a:fontRef idx="minor">
+            <a:schemeClr val="lt1"/>
+          </a:fontRef>
+        </p:style>
+        <p:txBody>
+          <a:bodyPr wrap="square" rtlCol="0">
+            <a:spAutoFit/>
+          </a:bodyPr>
+          <a:p>
+            <a:r>
+              <a:rPr lang="en-US"/>
+              <a:t>create trigger GainBadge after insert on habit_history </a:t>
+            </a:r>
+            <a:endParaRPr lang="en-US"/>
+          </a:p>
+          <a:p>
+            <a:r>
+              <a:rPr lang="en-US"/>
+              <a:t>-- acest trigger se apeleaza in momentul in care un utilizator logheaza un obicei ca si efectuat.Se va calcula daca numarul total de logari pentru acel obicei se afla intre valorile definite si in acel caz va initia operatia de insert in tabela care tine evidenta badgeurilor obtinute de utilizatori, acordand badge-ul corespunzator userului.</a:t>
+            </a:r>
+            <a:endParaRPr lang="en-US"/>
+          </a:p>
+          <a:p>
+            <a:r>
+              <a:rPr lang="en-US"/>
+              <a:t>FOR EACH ROW </a:t>
+            </a:r>
+            <a:endParaRPr lang="en-US"/>
+          </a:p>
+          <a:p>
+            <a:r>
+              <a:rPr lang="en-US"/>
+              <a:t>  BEGIN</a:t>
+            </a:r>
+            <a:endParaRPr lang="en-US"/>
+          </a:p>
+          <a:p>
+            <a:r>
+              <a:rPr lang="en-US"/>
+              <a:t>SET @x = (</a:t>
+            </a:r>
+            <a:endParaRPr lang="en-US"/>
+          </a:p>
+          <a:p>
+            <a:r>
+              <a:rPr lang="en-US"/>
+              <a:t> select count(habit_id) as done from habit_history where habit_id=new.habit_id and user_id =new.user_id and marked_as=1 and year(date_marked)=YEAR(CURDATE())</a:t>
+            </a:r>
+            <a:endParaRPr lang="en-US"/>
+          </a:p>
+          <a:p>
+            <a:r>
+              <a:rPr lang="en-US"/>
+              <a:t>);</a:t>
+            </a:r>
+            <a:endParaRPr lang="en-US"/>
+          </a:p>
+          <a:p>
+            <a:r>
+              <a:rPr lang="en-US"/>
+              <a:t>   IF ( @x &gt; 0 AND @x&lt;5 ) THEN</a:t>
+            </a:r>
+            <a:endParaRPr lang="en-US"/>
+          </a:p>
+          <a:p>
+            <a:r>
+              <a:rPr lang="en-US"/>
+              <a:t>   insert into badge_history (badge_id, user_id) values (1, new.user_id);</a:t>
+            </a:r>
+            <a:endParaRPr lang="en-US"/>
+          </a:p>
+          <a:p>
+            <a:r>
+              <a:rPr lang="en-US"/>
+              <a:t>   elseif ( @x &gt;= 5 AND @x&lt;10) THEN</a:t>
+            </a:r>
+            <a:endParaRPr lang="en-US"/>
+          </a:p>
+          <a:p>
+            <a:r>
+              <a:rPr lang="en-US"/>
+              <a:t>   insert into badge_history (badge_id, user_id) values (2, new.user_id);</a:t>
+            </a:r>
+            <a:endParaRPr lang="en-US"/>
+          </a:p>
+          <a:p>
+            <a:r>
+              <a:rPr lang="en-US"/>
+              <a:t>   elseif ( @x &gt;= 10 AND @x&lt;30) THEN</a:t>
+            </a:r>
+            <a:endParaRPr lang="en-US"/>
+          </a:p>
+          <a:p>
+            <a:r>
+              <a:rPr lang="en-US"/>
+              <a:t>   insert into badge_history (badge_id, user_id) values (3, new.user_id);</a:t>
+            </a:r>
+            <a:endParaRPr lang="en-US"/>
+          </a:p>
+          <a:p>
+            <a:r>
+              <a:rPr lang="en-US"/>
+              <a:t>  end if ;</a:t>
+            </a:r>
+            <a:endParaRPr lang="en-US"/>
+          </a:p>
+        </p:txBody>
+      </p:sp>
+    </p:spTree>
+  </p:cSld>
+  <p:clrMapOvr>
+    <a:masterClrMapping/>
+  </p:clrMapOvr>
+</p:sld>
+</file>
+
+<file path=ppt/slides/slide31.xml><?xml version="1.0" encoding="utf-8"?>
+<p:sld xmlns:a="http://schemas.openxmlformats.org/drawingml/2006/main" xmlns:r="http://schemas.openxmlformats.org/officeDocument/2006/relationships" xmlns:p="http://schemas.openxmlformats.org/presentationml/2006/main">
+  <p:cSld>
+    <p:spTree>
+      <p:nvGrpSpPr>
+        <p:cNvPr id="1" name=""/>
+        <p:cNvGrpSpPr/>
+        <p:nvPr/>
+      </p:nvGrpSpPr>
+      <p:grpSpPr/>
+      <p:sp>
+        <p:nvSpPr>
+          <p:cNvPr id="4" name="椭圆 3"/>
           <p:cNvSpPr/>
           <p:nvPr/>
         </p:nvSpPr>
         <p:spPr>
           <a:xfrm>
-            <a:off x="7480300" y="4310063"/>
-            <a:ext cx="601663" cy="603250"/>
+            <a:off x="8351838" y="4391025"/>
+            <a:ext cx="841375" cy="841375"/>
           </a:xfrm>
           <a:prstGeom prst="ellipse">
             <a:avLst/>
           </a:prstGeom>
           <a:solidFill>
-            <a:srgbClr val="02B3C5"/>
+            <a:srgbClr val="6A3C7C"/>
           </a:solidFill>
           <a:ln w="28575">
             <a:solidFill>
@@ -14447,20 +14548,20 @@
       </p:sp>
       <p:sp>
         <p:nvSpPr>
-          <p:cNvPr id="13" name="椭圆 12"/>
+          <p:cNvPr id="6" name="椭圆 5"/>
           <p:cNvSpPr/>
           <p:nvPr/>
         </p:nvSpPr>
         <p:spPr>
           <a:xfrm>
-            <a:off x="3606800" y="1685925"/>
-            <a:ext cx="528638" cy="528638"/>
+            <a:off x="8923338" y="4132263"/>
+            <a:ext cx="517525" cy="517525"/>
           </a:xfrm>
           <a:prstGeom prst="ellipse">
             <a:avLst/>
           </a:prstGeom>
           <a:solidFill>
-            <a:srgbClr val="F07474"/>
+            <a:srgbClr val="FFBF53"/>
           </a:solidFill>
           <a:ln w="28575">
             <a:solidFill>
@@ -14532,20 +14633,20 @@
       </p:sp>
       <p:sp>
         <p:nvSpPr>
-          <p:cNvPr id="14" name="椭圆 13"/>
+          <p:cNvPr id="7" name="椭圆 6"/>
           <p:cNvSpPr/>
           <p:nvPr/>
         </p:nvSpPr>
         <p:spPr>
           <a:xfrm>
-            <a:off x="3871913" y="2357438"/>
-            <a:ext cx="247650" cy="249238"/>
+            <a:off x="8178800" y="3921125"/>
+            <a:ext cx="346075" cy="346075"/>
           </a:xfrm>
           <a:prstGeom prst="ellipse">
             <a:avLst/>
           </a:prstGeom>
           <a:solidFill>
-            <a:srgbClr val="02B3C5"/>
+            <a:srgbClr val="F07474"/>
           </a:solidFill>
           <a:ln w="28575">
             <a:solidFill>
@@ -14617,20 +14718,20 @@
       </p:sp>
       <p:sp>
         <p:nvSpPr>
-          <p:cNvPr id="15" name="椭圆 14"/>
+          <p:cNvPr id="12" name="椭圆 11"/>
           <p:cNvSpPr/>
           <p:nvPr/>
         </p:nvSpPr>
         <p:spPr>
           <a:xfrm>
-            <a:off x="3381375" y="2170113"/>
-            <a:ext cx="187325" cy="187325"/>
+            <a:off x="4205288" y="1533525"/>
+            <a:ext cx="3748088" cy="3748088"/>
           </a:xfrm>
           <a:prstGeom prst="ellipse">
             <a:avLst/>
           </a:prstGeom>
           <a:solidFill>
-            <a:srgbClr val="6A3C7C"/>
+            <a:srgbClr val="F07474"/>
           </a:solidFill>
           <a:ln w="28575">
             <a:solidFill>
@@ -14702,107 +14803,20 @@
       </p:sp>
       <p:sp>
         <p:nvSpPr>
-          <p:cNvPr id="14345" name="文本框 15"/>
-          <p:cNvSpPr txBox="1"/>
+          <p:cNvPr id="5" name="椭圆 4"/>
+          <p:cNvSpPr/>
           <p:nvPr/>
         </p:nvSpPr>
         <p:spPr>
           <a:xfrm>
-            <a:off x="4525645" y="2829560"/>
-            <a:ext cx="3140710" cy="706755"/>
-          </a:xfrm>
-          <a:prstGeom prst="rect">
-            <a:avLst/>
-          </a:prstGeom>
-          <a:noFill/>
-          <a:ln w="9525">
-            <a:noFill/>
-          </a:ln>
-        </p:spPr>
-        <p:txBody>
-          <a:bodyPr wrap="square" anchor="t">
-            <a:spAutoFit/>
-          </a:bodyPr>
-          <a:p>
-            <a:pPr algn="ctr"/>
-            <a:r>
-              <a:rPr lang="en-US" sz="4000" dirty="0">
-                <a:solidFill>
-                  <a:schemeClr val="bg1"/>
-                </a:solidFill>
-                <a:ea typeface="SimSun" panose="02010600030101010101" pitchFamily="2" charset="-122"/>
-                <a:cs typeface="Calibri" panose="020F0502020204030204" pitchFamily="34" charset="0"/>
-              </a:rPr>
-              <a:t>Admin Mode</a:t>
-            </a:r>
-            <a:endParaRPr lang="en-US" sz="4000" dirty="0">
-              <a:solidFill>
-                <a:schemeClr val="bg1"/>
-              </a:solidFill>
-              <a:ea typeface="SimSun" panose="02010600030101010101" pitchFamily="2" charset="-122"/>
-              <a:cs typeface="Calibri" panose="020F0502020204030204" pitchFamily="34" charset="0"/>
-            </a:endParaRPr>
-          </a:p>
-        </p:txBody>
-      </p:sp>
-    </p:spTree>
-  </p:cSld>
-  <p:clrMapOvr>
-    <a:masterClrMapping/>
-  </p:clrMapOvr>
-</p:sld>
-</file>
-
-<file path=ppt/slides/slide31.xml><?xml version="1.0" encoding="utf-8"?>
-<p:sld xmlns:a="http://schemas.openxmlformats.org/drawingml/2006/main" xmlns:r="http://schemas.openxmlformats.org/officeDocument/2006/relationships" xmlns:p="http://schemas.openxmlformats.org/presentationml/2006/main">
-  <p:cSld>
-    <p:spTree>
-      <p:nvGrpSpPr>
-        <p:cNvPr id="1" name=""/>
-        <p:cNvGrpSpPr/>
-        <p:nvPr/>
-      </p:nvGrpSpPr>
-      <p:grpSpPr/>
-      <p:pic>
-        <p:nvPicPr>
-          <p:cNvPr id="4" name="Picture 3" descr="structura"/>
-          <p:cNvPicPr>
-            <a:picLocks noChangeAspect="1"/>
-          </p:cNvPicPr>
-          <p:nvPr/>
-        </p:nvPicPr>
-        <p:blipFill>
-          <a:blip r:embed="rId1"/>
-          <a:stretch>
-            <a:fillRect/>
-          </a:stretch>
-        </p:blipFill>
-        <p:spPr>
-          <a:xfrm>
-            <a:off x="173355" y="56515"/>
-            <a:ext cx="1690370" cy="3568065"/>
-          </a:xfrm>
-          <a:prstGeom prst="rect">
-            <a:avLst/>
-          </a:prstGeom>
-        </p:spPr>
-      </p:pic>
-      <p:sp>
-        <p:nvSpPr>
-          <p:cNvPr id="7" name="椭圆 12"/>
-          <p:cNvSpPr/>
-          <p:nvPr/>
-        </p:nvSpPr>
-        <p:spPr>
-          <a:xfrm>
-            <a:off x="371475" y="1193800"/>
-            <a:ext cx="154940" cy="132080"/>
+            <a:off x="7480300" y="4310063"/>
+            <a:ext cx="601663" cy="603250"/>
           </a:xfrm>
           <a:prstGeom prst="ellipse">
             <a:avLst/>
           </a:prstGeom>
           <a:solidFill>
-            <a:srgbClr val="FFBF53"/>
+            <a:srgbClr val="02B3C5"/>
           </a:solidFill>
           <a:ln w="28575">
             <a:solidFill>
@@ -14837,6 +14851,7 @@
           <a:bodyPr wrap="square" rtlCol="0" anchor="ctr">
             <a:noAutofit/>
           </a:bodyPr>
+          <a:lstStyle/>
           <a:p>
             <a:pPr marL="0" marR="0" lvl="0" indent="0" algn="ctr" defTabSz="914400" rtl="0" eaLnBrk="1" fontAlgn="auto" latinLnBrk="0" hangingPunct="1">
               <a:lnSpc>
@@ -14871,91 +14886,22 @@
           </a:p>
         </p:txBody>
       </p:sp>
-      <p:pic>
-        <p:nvPicPr>
-          <p:cNvPr id="3" name="Content Placeholder 2" descr="panouadmin"/>
-          <p:cNvPicPr>
-            <a:picLocks noChangeAspect="1"/>
-          </p:cNvPicPr>
-          <p:nvPr>
-            <p:ph idx="1"/>
-          </p:nvPr>
-        </p:nvPicPr>
-        <p:blipFill>
-          <a:blip r:embed="rId2"/>
-          <a:stretch>
-            <a:fillRect/>
-          </a:stretch>
-        </p:blipFill>
-        <p:spPr>
-          <a:xfrm>
-            <a:off x="2680970" y="389255"/>
-            <a:ext cx="8011795" cy="6079490"/>
-          </a:xfrm>
-          <a:prstGeom prst="rect">
-            <a:avLst/>
-          </a:prstGeom>
-        </p:spPr>
-      </p:pic>
-    </p:spTree>
-  </p:cSld>
-  <p:clrMapOvr>
-    <a:masterClrMapping/>
-  </p:clrMapOvr>
-  <p:transition/>
-</p:sld>
-</file>
-
-<file path=ppt/slides/slide32.xml><?xml version="1.0" encoding="utf-8"?>
-<p:sld xmlns:a="http://schemas.openxmlformats.org/drawingml/2006/main" xmlns:r="http://schemas.openxmlformats.org/officeDocument/2006/relationships" xmlns:p="http://schemas.openxmlformats.org/presentationml/2006/main">
-  <p:cSld>
-    <p:spTree>
-      <p:nvGrpSpPr>
-        <p:cNvPr id="1" name=""/>
-        <p:cNvGrpSpPr/>
-        <p:nvPr/>
-      </p:nvGrpSpPr>
-      <p:grpSpPr/>
-      <p:pic>
-        <p:nvPicPr>
-          <p:cNvPr id="4" name="Picture 3" descr="structura"/>
-          <p:cNvPicPr>
-            <a:picLocks noChangeAspect="1"/>
-          </p:cNvPicPr>
-          <p:nvPr/>
-        </p:nvPicPr>
-        <p:blipFill>
-          <a:blip r:embed="rId1"/>
-          <a:stretch>
-            <a:fillRect/>
-          </a:stretch>
-        </p:blipFill>
-        <p:spPr>
-          <a:xfrm>
-            <a:off x="173355" y="56515"/>
-            <a:ext cx="1690370" cy="3568065"/>
-          </a:xfrm>
-          <a:prstGeom prst="rect">
-            <a:avLst/>
-          </a:prstGeom>
-        </p:spPr>
-      </p:pic>
       <p:sp>
         <p:nvSpPr>
-          <p:cNvPr id="7" name="椭圆 12"/>
+          <p:cNvPr id="13" name="椭圆 12"/>
           <p:cNvSpPr/>
           <p:nvPr/>
         </p:nvSpPr>
         <p:spPr>
           <a:xfrm>
-            <a:off x="371475" y="1193800"/>
-            <a:ext cx="154940" cy="132080"/>
+            <a:off x="3606800" y="1685925"/>
+            <a:ext cx="528638" cy="528638"/>
           </a:xfrm>
           <a:prstGeom prst="ellipse">
             <a:avLst/>
           </a:prstGeom>
           <a:solidFill>
-            <a:srgbClr val="FFBF53"/>
+            <a:srgbClr val="F07474"/>
           </a:solidFill>
           <a:ln w="28575">
             <a:solidFill>
@@ -14990,6 +14936,7 @@
           <a:bodyPr wrap="square" rtlCol="0" anchor="ctr">
             <a:noAutofit/>
           </a:bodyPr>
+          <a:lstStyle/>
           <a:p>
             <a:pPr marL="0" marR="0" lvl="0" indent="0" algn="ctr" defTabSz="914400" rtl="0" eaLnBrk="1" fontAlgn="auto" latinLnBrk="0" hangingPunct="1">
               <a:lnSpc>
@@ -15026,64 +14973,348 @@
       </p:sp>
       <p:sp>
         <p:nvSpPr>
-          <p:cNvPr id="5" name="Text Box 4"/>
+          <p:cNvPr id="14" name="椭圆 13"/>
+          <p:cNvSpPr/>
+          <p:nvPr/>
+        </p:nvSpPr>
+        <p:spPr>
+          <a:xfrm>
+            <a:off x="3871913" y="2357438"/>
+            <a:ext cx="247650" cy="249238"/>
+          </a:xfrm>
+          <a:prstGeom prst="ellipse">
+            <a:avLst/>
+          </a:prstGeom>
+          <a:solidFill>
+            <a:srgbClr val="02B3C5"/>
+          </a:solidFill>
+          <a:ln w="28575">
+            <a:solidFill>
+              <a:schemeClr val="bg1"/>
+            </a:solidFill>
+          </a:ln>
+          <a:effectLst>
+            <a:outerShdw blurRad="152400" dist="63500" dir="8100000" algn="tr" rotWithShape="0">
+              <a:prstClr val="black">
+                <a:alpha val="26000"/>
+              </a:prstClr>
+            </a:outerShdw>
+          </a:effectLst>
+        </p:spPr>
+        <p:style>
+          <a:lnRef idx="2">
+            <a:schemeClr val="accent1">
+              <a:shade val="50000"/>
+            </a:schemeClr>
+          </a:lnRef>
+          <a:fillRef idx="1">
+            <a:schemeClr val="accent1"/>
+          </a:fillRef>
+          <a:effectRef idx="0">
+            <a:schemeClr val="accent1"/>
+          </a:effectRef>
+          <a:fontRef idx="minor">
+            <a:schemeClr val="lt1"/>
+          </a:fontRef>
+        </p:style>
+        <p:txBody>
+          <a:bodyPr wrap="square" rtlCol="0" anchor="ctr">
+            <a:noAutofit/>
+          </a:bodyPr>
+          <a:lstStyle/>
+          <a:p>
+            <a:pPr marL="0" marR="0" lvl="0" indent="0" algn="ctr" defTabSz="914400" rtl="0" eaLnBrk="1" fontAlgn="auto" latinLnBrk="0" hangingPunct="1">
+              <a:lnSpc>
+                <a:spcPct val="100000"/>
+              </a:lnSpc>
+              <a:spcBef>
+                <a:spcPts val="0"/>
+              </a:spcBef>
+              <a:spcAft>
+                <a:spcPts val="0"/>
+              </a:spcAft>
+              <a:buClrTx/>
+              <a:buSzTx/>
+              <a:buFontTx/>
+              <a:buNone/>
+              <a:defRPr/>
+            </a:pPr>
+            <a:endParaRPr kumimoji="0" lang="zh-CN" altLang="en-US" sz="3190" b="0" i="0" u="none" strike="noStrike" kern="1200" cap="none" spc="0" normalizeH="0" baseline="0" noProof="0">
+              <a:ln>
+                <a:noFill/>
+              </a:ln>
+              <a:solidFill>
+                <a:prstClr val="white"/>
+              </a:solidFill>
+              <a:effectLst/>
+              <a:uLnTx/>
+              <a:uFillTx/>
+              <a:latin typeface="+mn-lt"/>
+              <a:ea typeface="+mn-ea"/>
+              <a:cs typeface="Calibri" panose="020F0502020204030204" pitchFamily="34" charset="0"/>
+            </a:endParaRPr>
+          </a:p>
+        </p:txBody>
+      </p:sp>
+      <p:sp>
+        <p:nvSpPr>
+          <p:cNvPr id="15" name="椭圆 14"/>
+          <p:cNvSpPr/>
+          <p:nvPr/>
+        </p:nvSpPr>
+        <p:spPr>
+          <a:xfrm>
+            <a:off x="3381375" y="2170113"/>
+            <a:ext cx="187325" cy="187325"/>
+          </a:xfrm>
+          <a:prstGeom prst="ellipse">
+            <a:avLst/>
+          </a:prstGeom>
+          <a:solidFill>
+            <a:srgbClr val="6A3C7C"/>
+          </a:solidFill>
+          <a:ln w="28575">
+            <a:solidFill>
+              <a:schemeClr val="bg1"/>
+            </a:solidFill>
+          </a:ln>
+          <a:effectLst>
+            <a:outerShdw blurRad="152400" dist="63500" dir="8100000" algn="tr" rotWithShape="0">
+              <a:prstClr val="black">
+                <a:alpha val="26000"/>
+              </a:prstClr>
+            </a:outerShdw>
+          </a:effectLst>
+        </p:spPr>
+        <p:style>
+          <a:lnRef idx="2">
+            <a:schemeClr val="accent1">
+              <a:shade val="50000"/>
+            </a:schemeClr>
+          </a:lnRef>
+          <a:fillRef idx="1">
+            <a:schemeClr val="accent1"/>
+          </a:fillRef>
+          <a:effectRef idx="0">
+            <a:schemeClr val="accent1"/>
+          </a:effectRef>
+          <a:fontRef idx="minor">
+            <a:schemeClr val="lt1"/>
+          </a:fontRef>
+        </p:style>
+        <p:txBody>
+          <a:bodyPr wrap="square" rtlCol="0" anchor="ctr">
+            <a:noAutofit/>
+          </a:bodyPr>
+          <a:lstStyle/>
+          <a:p>
+            <a:pPr marL="0" marR="0" lvl="0" indent="0" algn="ctr" defTabSz="914400" rtl="0" eaLnBrk="1" fontAlgn="auto" latinLnBrk="0" hangingPunct="1">
+              <a:lnSpc>
+                <a:spcPct val="100000"/>
+              </a:lnSpc>
+              <a:spcBef>
+                <a:spcPts val="0"/>
+              </a:spcBef>
+              <a:spcAft>
+                <a:spcPts val="0"/>
+              </a:spcAft>
+              <a:buClrTx/>
+              <a:buSzTx/>
+              <a:buFontTx/>
+              <a:buNone/>
+              <a:defRPr/>
+            </a:pPr>
+            <a:endParaRPr kumimoji="0" lang="zh-CN" altLang="en-US" sz="3190" b="0" i="0" u="none" strike="noStrike" kern="1200" cap="none" spc="0" normalizeH="0" baseline="0" noProof="0">
+              <a:ln>
+                <a:noFill/>
+              </a:ln>
+              <a:solidFill>
+                <a:prstClr val="white"/>
+              </a:solidFill>
+              <a:effectLst/>
+              <a:uLnTx/>
+              <a:uFillTx/>
+              <a:latin typeface="+mn-lt"/>
+              <a:ea typeface="+mn-ea"/>
+              <a:cs typeface="Calibri" panose="020F0502020204030204" pitchFamily="34" charset="0"/>
+            </a:endParaRPr>
+          </a:p>
+        </p:txBody>
+      </p:sp>
+      <p:sp>
+        <p:nvSpPr>
+          <p:cNvPr id="14345" name="文本框 15"/>
           <p:cNvSpPr txBox="1"/>
           <p:nvPr/>
         </p:nvSpPr>
         <p:spPr>
           <a:xfrm>
-            <a:off x="2396490" y="271780"/>
-            <a:ext cx="9084945" cy="3138170"/>
+            <a:off x="4525645" y="2829560"/>
+            <a:ext cx="3140710" cy="706755"/>
           </a:xfrm>
           <a:prstGeom prst="rect">
             <a:avLst/>
           </a:prstGeom>
           <a:noFill/>
+          <a:ln w="9525">
+            <a:noFill/>
+          </a:ln>
         </p:spPr>
         <p:txBody>
-          <a:bodyPr wrap="square" rtlCol="0">
+          <a:bodyPr wrap="square" anchor="t">
             <a:spAutoFit/>
           </a:bodyPr>
           <a:p>
+            <a:pPr algn="ctr"/>
             <a:r>
-              <a:rPr lang="en-US"/>
-              <a:t>Aplicatia ofera si un mod de Super User, care are acces la date despre utilizatori si obiceiurile create, cu posibilitatea de stergere a informatiilor din aceste tabele.</a:t>
+              <a:rPr lang="en-US" sz="4000" dirty="0">
+                <a:solidFill>
+                  <a:schemeClr val="bg1"/>
+                </a:solidFill>
+                <a:ea typeface="SimSun" panose="02010600030101010101" pitchFamily="2" charset="-122"/>
+                <a:cs typeface="Calibri" panose="020F0502020204030204" pitchFamily="34" charset="0"/>
+              </a:rPr>
+              <a:t>Admin Mode</a:t>
             </a:r>
-            <a:endParaRPr lang="en-US"/>
-          </a:p>
-          <a:p>
-            <a:endParaRPr lang="en-US"/>
-          </a:p>
-          <a:p>
-            <a:endParaRPr lang="en-US"/>
-          </a:p>
-          <a:p>
-            <a:r>
-              <a:rPr lang="en-US"/>
-              <a:t>Stergerea unui utilizator presupune stergerea din baza de date a oricaror date care apartin acestui utilizator, inclusiv obiceiurile create de acesta si istoricul logarilor. </a:t>
-            </a:r>
-            <a:endParaRPr lang="en-US"/>
-          </a:p>
-          <a:p>
-            <a:endParaRPr lang="en-US"/>
-          </a:p>
-          <a:p>
-            <a:endParaRPr lang="en-US"/>
-          </a:p>
-          <a:p>
-            <a:endParaRPr lang="en-US"/>
-          </a:p>
-          <a:p>
-            <a:endParaRPr lang="en-US"/>
-          </a:p>
-          <a:p>
-            <a:endParaRPr lang="en-US"/>
+            <a:endParaRPr lang="en-US" sz="4000" dirty="0">
+              <a:solidFill>
+                <a:schemeClr val="bg1"/>
+              </a:solidFill>
+              <a:ea typeface="SimSun" panose="02010600030101010101" pitchFamily="2" charset="-122"/>
+              <a:cs typeface="Calibri" panose="020F0502020204030204" pitchFamily="34" charset="0"/>
+            </a:endParaRPr>
+          </a:p>
+        </p:txBody>
+      </p:sp>
+    </p:spTree>
+  </p:cSld>
+  <p:clrMapOvr>
+    <a:masterClrMapping/>
+  </p:clrMapOvr>
+</p:sld>
+</file>
+
+<file path=ppt/slides/slide32.xml><?xml version="1.0" encoding="utf-8"?>
+<p:sld xmlns:a="http://schemas.openxmlformats.org/drawingml/2006/main" xmlns:r="http://schemas.openxmlformats.org/officeDocument/2006/relationships" xmlns:p="http://schemas.openxmlformats.org/presentationml/2006/main">
+  <p:cSld>
+    <p:spTree>
+      <p:nvGrpSpPr>
+        <p:cNvPr id="1" name=""/>
+        <p:cNvGrpSpPr/>
+        <p:nvPr/>
+      </p:nvGrpSpPr>
+      <p:grpSpPr/>
+      <p:pic>
+        <p:nvPicPr>
+          <p:cNvPr id="4" name="Picture 3" descr="structura"/>
+          <p:cNvPicPr>
+            <a:picLocks noChangeAspect="1"/>
+          </p:cNvPicPr>
+          <p:nvPr/>
+        </p:nvPicPr>
+        <p:blipFill>
+          <a:blip r:embed="rId1"/>
+          <a:stretch>
+            <a:fillRect/>
+          </a:stretch>
+        </p:blipFill>
+        <p:spPr>
+          <a:xfrm>
+            <a:off x="173355" y="56515"/>
+            <a:ext cx="1690370" cy="3568065"/>
+          </a:xfrm>
+          <a:prstGeom prst="rect">
+            <a:avLst/>
+          </a:prstGeom>
+        </p:spPr>
+      </p:pic>
+      <p:sp>
+        <p:nvSpPr>
+          <p:cNvPr id="7" name="椭圆 12"/>
+          <p:cNvSpPr/>
+          <p:nvPr/>
+        </p:nvSpPr>
+        <p:spPr>
+          <a:xfrm>
+            <a:off x="371475" y="1193800"/>
+            <a:ext cx="154940" cy="132080"/>
+          </a:xfrm>
+          <a:prstGeom prst="ellipse">
+            <a:avLst/>
+          </a:prstGeom>
+          <a:solidFill>
+            <a:srgbClr val="FFBF53"/>
+          </a:solidFill>
+          <a:ln w="28575">
+            <a:solidFill>
+              <a:schemeClr val="bg1"/>
+            </a:solidFill>
+          </a:ln>
+          <a:effectLst>
+            <a:outerShdw blurRad="152400" dist="63500" dir="8100000" algn="tr" rotWithShape="0">
+              <a:prstClr val="black">
+                <a:alpha val="26000"/>
+              </a:prstClr>
+            </a:outerShdw>
+          </a:effectLst>
+        </p:spPr>
+        <p:style>
+          <a:lnRef idx="2">
+            <a:schemeClr val="accent1">
+              <a:shade val="50000"/>
+            </a:schemeClr>
+          </a:lnRef>
+          <a:fillRef idx="1">
+            <a:schemeClr val="accent1"/>
+          </a:fillRef>
+          <a:effectRef idx="0">
+            <a:schemeClr val="accent1"/>
+          </a:effectRef>
+          <a:fontRef idx="minor">
+            <a:schemeClr val="lt1"/>
+          </a:fontRef>
+        </p:style>
+        <p:txBody>
+          <a:bodyPr wrap="square" rtlCol="0" anchor="ctr">
+            <a:noAutofit/>
+          </a:bodyPr>
+          <a:p>
+            <a:pPr marL="0" marR="0" lvl="0" indent="0" algn="ctr" defTabSz="914400" rtl="0" eaLnBrk="1" fontAlgn="auto" latinLnBrk="0" hangingPunct="1">
+              <a:lnSpc>
+                <a:spcPct val="100000"/>
+              </a:lnSpc>
+              <a:spcBef>
+                <a:spcPts val="0"/>
+              </a:spcBef>
+              <a:spcAft>
+                <a:spcPts val="0"/>
+              </a:spcAft>
+              <a:buClrTx/>
+              <a:buSzTx/>
+              <a:buFontTx/>
+              <a:buNone/>
+              <a:defRPr/>
+            </a:pPr>
+            <a:endParaRPr kumimoji="0" lang="zh-CN" altLang="en-US" sz="3190" b="0" i="0" u="none" strike="noStrike" kern="1200" cap="none" spc="0" normalizeH="0" baseline="0" noProof="0">
+              <a:ln>
+                <a:noFill/>
+              </a:ln>
+              <a:solidFill>
+                <a:prstClr val="white"/>
+              </a:solidFill>
+              <a:effectLst/>
+              <a:uLnTx/>
+              <a:uFillTx/>
+              <a:latin typeface="+mn-lt"/>
+              <a:ea typeface="+mn-ea"/>
+              <a:cs typeface="Calibri" panose="020F0502020204030204" pitchFamily="34" charset="0"/>
+            </a:endParaRPr>
           </a:p>
         </p:txBody>
       </p:sp>
       <p:pic>
         <p:nvPicPr>
-          <p:cNvPr id="8" name="Picture 7" descr="deletejava"/>
+          <p:cNvPr id="5" name="Picture 4" descr="admin"/>
           <p:cNvPicPr>
             <a:picLocks noChangeAspect="1"/>
           </p:cNvPicPr>
@@ -15097,36 +15328,19 @@
         </p:blipFill>
         <p:spPr>
           <a:xfrm>
-            <a:off x="2127885" y="2244725"/>
-            <a:ext cx="8502650" cy="3291205"/>
+            <a:off x="3167380" y="741045"/>
+            <a:ext cx="7101205" cy="5375910"/>
           </a:xfrm>
           <a:prstGeom prst="rect">
             <a:avLst/>
           </a:prstGeom>
-        </p:spPr>
-      </p:pic>
-      <p:pic>
-        <p:nvPicPr>
-          <p:cNvPr id="6" name="Picture 5" descr="delete user"/>
-          <p:cNvPicPr>
-            <a:picLocks noChangeAspect="1"/>
-          </p:cNvPicPr>
-          <p:nvPr/>
-        </p:nvPicPr>
-        <p:blipFill>
-          <a:blip r:embed="rId3"/>
-          <a:stretch>
-            <a:fillRect/>
-          </a:stretch>
-        </p:blipFill>
-        <p:spPr>
-          <a:xfrm>
-            <a:off x="6570345" y="4138295"/>
-            <a:ext cx="5498465" cy="2566035"/>
-          </a:xfrm>
-          <a:prstGeom prst="rect">
-            <a:avLst/>
-          </a:prstGeom>
+          <a:effectLst>
+            <a:outerShdw blurRad="63500" sx="102000" sy="102000" algn="ctr" rotWithShape="0">
+              <a:prstClr val="black">
+                <a:alpha val="40000"/>
+              </a:prstClr>
+            </a:outerShdw>
+          </a:effectLst>
         </p:spPr>
       </p:pic>
     </p:spTree>
@@ -15180,7 +15394,7 @@
         </p:nvSpPr>
         <p:spPr>
           <a:xfrm>
-            <a:off x="371475" y="862330"/>
+            <a:off x="371475" y="1193800"/>
             <a:ext cx="154940" cy="132080"/>
           </a:xfrm>
           <a:prstGeom prst="ellipse">
@@ -15256,9 +15470,66 @@
           </a:p>
         </p:txBody>
       </p:sp>
+      <p:sp>
+        <p:nvSpPr>
+          <p:cNvPr id="5" name="Text Box 4"/>
+          <p:cNvSpPr txBox="1"/>
+          <p:nvPr/>
+        </p:nvSpPr>
+        <p:spPr>
+          <a:xfrm>
+            <a:off x="2396490" y="271780"/>
+            <a:ext cx="9084945" cy="3138170"/>
+          </a:xfrm>
+          <a:prstGeom prst="rect">
+            <a:avLst/>
+          </a:prstGeom>
+          <a:noFill/>
+        </p:spPr>
+        <p:txBody>
+          <a:bodyPr wrap="square" rtlCol="0">
+            <a:spAutoFit/>
+          </a:bodyPr>
+          <a:p>
+            <a:r>
+              <a:rPr lang="en-US"/>
+              <a:t>Aplicatia ofera si un mod de Super User, care are acces la date despre utilizatori si obiceiurile create, cu posibilitatea de stergere a informatiilor din aceste tabele.</a:t>
+            </a:r>
+            <a:endParaRPr lang="en-US"/>
+          </a:p>
+          <a:p>
+            <a:endParaRPr lang="en-US"/>
+          </a:p>
+          <a:p>
+            <a:endParaRPr lang="en-US"/>
+          </a:p>
+          <a:p>
+            <a:r>
+              <a:rPr lang="en-US"/>
+              <a:t>Stergerea unui utilizator presupune stergerea din baza de date a oricaror date care apartin acestui utilizator, inclusiv obiceiurile create de acesta si istoricul logarilor. </a:t>
+            </a:r>
+            <a:endParaRPr lang="en-US"/>
+          </a:p>
+          <a:p>
+            <a:endParaRPr lang="en-US"/>
+          </a:p>
+          <a:p>
+            <a:endParaRPr lang="en-US"/>
+          </a:p>
+          <a:p>
+            <a:endParaRPr lang="en-US"/>
+          </a:p>
+          <a:p>
+            <a:endParaRPr lang="en-US"/>
+          </a:p>
+          <a:p>
+            <a:endParaRPr lang="en-US"/>
+          </a:p>
+        </p:txBody>
+      </p:sp>
       <p:pic>
         <p:nvPicPr>
-          <p:cNvPr id="5" name="Picture 4" descr="view users"/>
+          <p:cNvPr id="8" name="Picture 7" descr="deletejava"/>
           <p:cNvPicPr>
             <a:picLocks noChangeAspect="1"/>
           </p:cNvPicPr>
@@ -15272,8 +15543,75 @@
         </p:blipFill>
         <p:spPr>
           <a:xfrm>
-            <a:off x="2435860" y="598170"/>
-            <a:ext cx="8298180" cy="5662295"/>
+            <a:off x="2127885" y="2244725"/>
+            <a:ext cx="8502650" cy="3291205"/>
+          </a:xfrm>
+          <a:prstGeom prst="rect">
+            <a:avLst/>
+          </a:prstGeom>
+        </p:spPr>
+      </p:pic>
+      <p:pic>
+        <p:nvPicPr>
+          <p:cNvPr id="6" name="Picture 5" descr="delete user"/>
+          <p:cNvPicPr>
+            <a:picLocks noChangeAspect="1"/>
+          </p:cNvPicPr>
+          <p:nvPr/>
+        </p:nvPicPr>
+        <p:blipFill>
+          <a:blip r:embed="rId3"/>
+          <a:stretch>
+            <a:fillRect/>
+          </a:stretch>
+        </p:blipFill>
+        <p:spPr>
+          <a:xfrm>
+            <a:off x="6570345" y="4138295"/>
+            <a:ext cx="5498465" cy="2566035"/>
+          </a:xfrm>
+          <a:prstGeom prst="rect">
+            <a:avLst/>
+          </a:prstGeom>
+        </p:spPr>
+      </p:pic>
+    </p:spTree>
+  </p:cSld>
+  <p:clrMapOvr>
+    <a:masterClrMapping/>
+  </p:clrMapOvr>
+  <p:transition/>
+</p:sld>
+</file>
+
+<file path=ppt/slides/slide34.xml><?xml version="1.0" encoding="utf-8"?>
+<p:sld xmlns:a="http://schemas.openxmlformats.org/drawingml/2006/main" xmlns:r="http://schemas.openxmlformats.org/officeDocument/2006/relationships" xmlns:p="http://schemas.openxmlformats.org/presentationml/2006/main">
+  <p:cSld>
+    <p:spTree>
+      <p:nvGrpSpPr>
+        <p:cNvPr id="1" name=""/>
+        <p:cNvGrpSpPr/>
+        <p:nvPr/>
+      </p:nvGrpSpPr>
+      <p:grpSpPr/>
+      <p:pic>
+        <p:nvPicPr>
+          <p:cNvPr id="4" name="Picture 3" descr="structura"/>
+          <p:cNvPicPr>
+            <a:picLocks noChangeAspect="1"/>
+          </p:cNvPicPr>
+          <p:nvPr/>
+        </p:nvPicPr>
+        <p:blipFill>
+          <a:blip r:embed="rId1"/>
+          <a:stretch>
+            <a:fillRect/>
+          </a:stretch>
+        </p:blipFill>
+        <p:spPr>
+          <a:xfrm>
+            <a:off x="173355" y="56515"/>
+            <a:ext cx="1690370" cy="3568065"/>
           </a:xfrm>
           <a:prstGeom prst="rect">
             <a:avLst/>
@@ -15282,13 +15620,13 @@
       </p:pic>
       <p:sp>
         <p:nvSpPr>
-          <p:cNvPr id="6" name="椭圆 12"/>
+          <p:cNvPr id="7" name="椭圆 12"/>
           <p:cNvSpPr/>
           <p:nvPr/>
         </p:nvSpPr>
         <p:spPr>
           <a:xfrm>
-            <a:off x="371475" y="3446780"/>
+            <a:off x="371475" y="862330"/>
             <a:ext cx="154940" cy="132080"/>
           </a:xfrm>
           <a:prstGeom prst="ellipse">
@@ -15364,41 +15702,46 @@
           </a:p>
         </p:txBody>
       </p:sp>
-    </p:spTree>
-  </p:cSld>
-  <p:clrMapOvr>
-    <a:masterClrMapping/>
-  </p:clrMapOvr>
-  <p:transition/>
-</p:sld>
-</file>
-
-<file path=ppt/slides/slide34.xml><?xml version="1.0" encoding="utf-8"?>
-<p:sld xmlns:a="http://schemas.openxmlformats.org/drawingml/2006/main" xmlns:r="http://schemas.openxmlformats.org/officeDocument/2006/relationships" xmlns:p="http://schemas.openxmlformats.org/presentationml/2006/main">
-  <p:cSld>
-    <p:spTree>
-      <p:nvGrpSpPr>
-        <p:cNvPr id="1" name=""/>
-        <p:cNvGrpSpPr/>
-        <p:nvPr/>
-      </p:nvGrpSpPr>
-      <p:grpSpPr/>
+      <p:pic>
+        <p:nvPicPr>
+          <p:cNvPr id="5" name="Picture 4" descr="view users"/>
+          <p:cNvPicPr>
+            <a:picLocks noChangeAspect="1"/>
+          </p:cNvPicPr>
+          <p:nvPr/>
+        </p:nvPicPr>
+        <p:blipFill>
+          <a:blip r:embed="rId2"/>
+          <a:stretch>
+            <a:fillRect/>
+          </a:stretch>
+        </p:blipFill>
+        <p:spPr>
+          <a:xfrm>
+            <a:off x="2435860" y="598170"/>
+            <a:ext cx="8298180" cy="5662295"/>
+          </a:xfrm>
+          <a:prstGeom prst="rect">
+            <a:avLst/>
+          </a:prstGeom>
+        </p:spPr>
+      </p:pic>
       <p:sp>
         <p:nvSpPr>
-          <p:cNvPr id="4" name="椭圆 3"/>
+          <p:cNvPr id="6" name="椭圆 12"/>
           <p:cNvSpPr/>
           <p:nvPr/>
         </p:nvSpPr>
         <p:spPr>
           <a:xfrm>
-            <a:off x="8351838" y="4391025"/>
-            <a:ext cx="841375" cy="841375"/>
+            <a:off x="371475" y="3446780"/>
+            <a:ext cx="154940" cy="132080"/>
           </a:xfrm>
           <a:prstGeom prst="ellipse">
             <a:avLst/>
           </a:prstGeom>
           <a:solidFill>
-            <a:srgbClr val="6A3C7C"/>
+            <a:srgbClr val="FFBF53"/>
           </a:solidFill>
           <a:ln w="28575">
             <a:solidFill>
@@ -15433,7 +15776,6 @@
           <a:bodyPr wrap="square" rtlCol="0" anchor="ctr">
             <a:noAutofit/>
           </a:bodyPr>
-          <a:lstStyle/>
           <a:p>
             <a:pPr marL="0" marR="0" lvl="0" indent="0" algn="ctr" defTabSz="914400" rtl="0" eaLnBrk="1" fontAlgn="auto" latinLnBrk="0" hangingPunct="1">
               <a:lnSpc>
@@ -15468,22 +15810,41 @@
           </a:p>
         </p:txBody>
       </p:sp>
+    </p:spTree>
+  </p:cSld>
+  <p:clrMapOvr>
+    <a:masterClrMapping/>
+  </p:clrMapOvr>
+  <p:transition/>
+</p:sld>
+</file>
+
+<file path=ppt/slides/slide35.xml><?xml version="1.0" encoding="utf-8"?>
+<p:sld xmlns:a="http://schemas.openxmlformats.org/drawingml/2006/main" xmlns:r="http://schemas.openxmlformats.org/officeDocument/2006/relationships" xmlns:p="http://schemas.openxmlformats.org/presentationml/2006/main">
+  <p:cSld>
+    <p:spTree>
+      <p:nvGrpSpPr>
+        <p:cNvPr id="1" name=""/>
+        <p:cNvGrpSpPr/>
+        <p:nvPr/>
+      </p:nvGrpSpPr>
+      <p:grpSpPr/>
       <p:sp>
         <p:nvSpPr>
-          <p:cNvPr id="6" name="椭圆 5"/>
+          <p:cNvPr id="4" name="椭圆 3"/>
           <p:cNvSpPr/>
           <p:nvPr/>
         </p:nvSpPr>
         <p:spPr>
           <a:xfrm>
-            <a:off x="8923338" y="4132263"/>
-            <a:ext cx="517525" cy="517525"/>
+            <a:off x="8351838" y="4391025"/>
+            <a:ext cx="841375" cy="841375"/>
           </a:xfrm>
           <a:prstGeom prst="ellipse">
             <a:avLst/>
           </a:prstGeom>
           <a:solidFill>
-            <a:srgbClr val="FFBF53"/>
+            <a:srgbClr val="6A3C7C"/>
           </a:solidFill>
           <a:ln w="28575">
             <a:solidFill>
@@ -15555,20 +15916,20 @@
       </p:sp>
       <p:sp>
         <p:nvSpPr>
-          <p:cNvPr id="7" name="椭圆 6"/>
+          <p:cNvPr id="6" name="椭圆 5"/>
           <p:cNvSpPr/>
           <p:nvPr/>
         </p:nvSpPr>
         <p:spPr>
           <a:xfrm>
-            <a:off x="8178800" y="3921125"/>
-            <a:ext cx="346075" cy="346075"/>
+            <a:off x="8923338" y="4132263"/>
+            <a:ext cx="517525" cy="517525"/>
           </a:xfrm>
           <a:prstGeom prst="ellipse">
             <a:avLst/>
           </a:prstGeom>
           <a:solidFill>
-            <a:srgbClr val="F07474"/>
+            <a:srgbClr val="FFBF53"/>
           </a:solidFill>
           <a:ln w="28575">
             <a:solidFill>
@@ -15640,14 +16001,14 @@
       </p:sp>
       <p:sp>
         <p:nvSpPr>
-          <p:cNvPr id="12" name="椭圆 11"/>
+          <p:cNvPr id="7" name="椭圆 6"/>
           <p:cNvSpPr/>
           <p:nvPr/>
         </p:nvSpPr>
         <p:spPr>
           <a:xfrm>
-            <a:off x="4205288" y="1533525"/>
-            <a:ext cx="3748088" cy="3748088"/>
+            <a:off x="8178800" y="3921125"/>
+            <a:ext cx="346075" cy="346075"/>
           </a:xfrm>
           <a:prstGeom prst="ellipse">
             <a:avLst/>
@@ -15725,20 +16086,20 @@
       </p:sp>
       <p:sp>
         <p:nvSpPr>
-          <p:cNvPr id="5" name="椭圆 4"/>
+          <p:cNvPr id="12" name="椭圆 11"/>
           <p:cNvSpPr/>
           <p:nvPr/>
         </p:nvSpPr>
         <p:spPr>
           <a:xfrm>
-            <a:off x="7480300" y="4310063"/>
-            <a:ext cx="601663" cy="603250"/>
+            <a:off x="4205288" y="1533525"/>
+            <a:ext cx="3748088" cy="3748088"/>
           </a:xfrm>
           <a:prstGeom prst="ellipse">
             <a:avLst/>
           </a:prstGeom>
           <a:solidFill>
-            <a:srgbClr val="02B3C5"/>
+            <a:srgbClr val="F07474"/>
           </a:solidFill>
           <a:ln w="28575">
             <a:solidFill>
@@ -15810,20 +16171,20 @@
       </p:sp>
       <p:sp>
         <p:nvSpPr>
-          <p:cNvPr id="13" name="椭圆 12"/>
+          <p:cNvPr id="5" name="椭圆 4"/>
           <p:cNvSpPr/>
           <p:nvPr/>
         </p:nvSpPr>
         <p:spPr>
           <a:xfrm>
-            <a:off x="3606800" y="1685925"/>
-            <a:ext cx="528638" cy="528638"/>
+            <a:off x="7480300" y="4310063"/>
+            <a:ext cx="601663" cy="603250"/>
           </a:xfrm>
           <a:prstGeom prst="ellipse">
             <a:avLst/>
           </a:prstGeom>
           <a:solidFill>
-            <a:srgbClr val="F07474"/>
+            <a:srgbClr val="02B3C5"/>
           </a:solidFill>
           <a:ln w="28575">
             <a:solidFill>
@@ -15895,20 +16256,20 @@
       </p:sp>
       <p:sp>
         <p:nvSpPr>
-          <p:cNvPr id="14" name="椭圆 13"/>
+          <p:cNvPr id="13" name="椭圆 12"/>
           <p:cNvSpPr/>
           <p:nvPr/>
         </p:nvSpPr>
         <p:spPr>
           <a:xfrm>
-            <a:off x="3871913" y="2357438"/>
-            <a:ext cx="247650" cy="249238"/>
+            <a:off x="3606800" y="1685925"/>
+            <a:ext cx="528638" cy="528638"/>
           </a:xfrm>
           <a:prstGeom prst="ellipse">
             <a:avLst/>
           </a:prstGeom>
           <a:solidFill>
-            <a:srgbClr val="02B3C5"/>
+            <a:srgbClr val="F07474"/>
           </a:solidFill>
           <a:ln w="28575">
             <a:solidFill>
@@ -15980,20 +16341,20 @@
       </p:sp>
       <p:sp>
         <p:nvSpPr>
-          <p:cNvPr id="15" name="椭圆 14"/>
+          <p:cNvPr id="14" name="椭圆 13"/>
           <p:cNvSpPr/>
           <p:nvPr/>
         </p:nvSpPr>
         <p:spPr>
           <a:xfrm>
-            <a:off x="3381375" y="2170113"/>
-            <a:ext cx="187325" cy="187325"/>
+            <a:off x="3871913" y="2357438"/>
+            <a:ext cx="247650" cy="249238"/>
           </a:xfrm>
           <a:prstGeom prst="ellipse">
             <a:avLst/>
           </a:prstGeom>
           <a:solidFill>
-            <a:srgbClr val="6A3C7C"/>
+            <a:srgbClr val="02B3C5"/>
           </a:solidFill>
           <a:ln w="28575">
             <a:solidFill>
@@ -16065,6 +16426,91 @@
       </p:sp>
       <p:sp>
         <p:nvSpPr>
+          <p:cNvPr id="15" name="椭圆 14"/>
+          <p:cNvSpPr/>
+          <p:nvPr/>
+        </p:nvSpPr>
+        <p:spPr>
+          <a:xfrm>
+            <a:off x="3381375" y="2170113"/>
+            <a:ext cx="187325" cy="187325"/>
+          </a:xfrm>
+          <a:prstGeom prst="ellipse">
+            <a:avLst/>
+          </a:prstGeom>
+          <a:solidFill>
+            <a:srgbClr val="6A3C7C"/>
+          </a:solidFill>
+          <a:ln w="28575">
+            <a:solidFill>
+              <a:schemeClr val="bg1"/>
+            </a:solidFill>
+          </a:ln>
+          <a:effectLst>
+            <a:outerShdw blurRad="152400" dist="63500" dir="8100000" algn="tr" rotWithShape="0">
+              <a:prstClr val="black">
+                <a:alpha val="26000"/>
+              </a:prstClr>
+            </a:outerShdw>
+          </a:effectLst>
+        </p:spPr>
+        <p:style>
+          <a:lnRef idx="2">
+            <a:schemeClr val="accent1">
+              <a:shade val="50000"/>
+            </a:schemeClr>
+          </a:lnRef>
+          <a:fillRef idx="1">
+            <a:schemeClr val="accent1"/>
+          </a:fillRef>
+          <a:effectRef idx="0">
+            <a:schemeClr val="accent1"/>
+          </a:effectRef>
+          <a:fontRef idx="minor">
+            <a:schemeClr val="lt1"/>
+          </a:fontRef>
+        </p:style>
+        <p:txBody>
+          <a:bodyPr wrap="square" rtlCol="0" anchor="ctr">
+            <a:noAutofit/>
+          </a:bodyPr>
+          <a:lstStyle/>
+          <a:p>
+            <a:pPr marL="0" marR="0" lvl="0" indent="0" algn="ctr" defTabSz="914400" rtl="0" eaLnBrk="1" fontAlgn="auto" latinLnBrk="0" hangingPunct="1">
+              <a:lnSpc>
+                <a:spcPct val="100000"/>
+              </a:lnSpc>
+              <a:spcBef>
+                <a:spcPts val="0"/>
+              </a:spcBef>
+              <a:spcAft>
+                <a:spcPts val="0"/>
+              </a:spcAft>
+              <a:buClrTx/>
+              <a:buSzTx/>
+              <a:buFontTx/>
+              <a:buNone/>
+              <a:defRPr/>
+            </a:pPr>
+            <a:endParaRPr kumimoji="0" lang="zh-CN" altLang="en-US" sz="3190" b="0" i="0" u="none" strike="noStrike" kern="1200" cap="none" spc="0" normalizeH="0" baseline="0" noProof="0">
+              <a:ln>
+                <a:noFill/>
+              </a:ln>
+              <a:solidFill>
+                <a:prstClr val="white"/>
+              </a:solidFill>
+              <a:effectLst/>
+              <a:uLnTx/>
+              <a:uFillTx/>
+              <a:latin typeface="+mn-lt"/>
+              <a:ea typeface="+mn-ea"/>
+              <a:cs typeface="Calibri" panose="020F0502020204030204" pitchFamily="34" charset="0"/>
+            </a:endParaRPr>
+          </a:p>
+        </p:txBody>
+      </p:sp>
+      <p:sp>
+        <p:nvSpPr>
           <p:cNvPr id="14345" name="文本框 15"/>
           <p:cNvSpPr txBox="1"/>
           <p:nvPr/>
@@ -16116,7 +16562,7 @@
 </p:sld>
 </file>
 
-<file path=ppt/slides/slide35.xml><?xml version="1.0" encoding="utf-8"?>
+<file path=ppt/slides/slide36.xml><?xml version="1.0" encoding="utf-8"?>
 <p:sld xmlns:a="http://schemas.openxmlformats.org/drawingml/2006/main" xmlns:r="http://schemas.openxmlformats.org/officeDocument/2006/relationships" xmlns:p="http://schemas.openxmlformats.org/presentationml/2006/main">
   <p:cSld>
     <p:spTree>
@@ -16333,7 +16779,7 @@
 </p:sld>
 </file>
 
-<file path=ppt/slides/slide36.xml><?xml version="1.0" encoding="utf-8"?>
+<file path=ppt/slides/slide37.xml><?xml version="1.0" encoding="utf-8"?>
 <p:sld xmlns:a="http://schemas.openxmlformats.org/drawingml/2006/main" xmlns:r="http://schemas.openxmlformats.org/officeDocument/2006/relationships" xmlns:p="http://schemas.openxmlformats.org/presentationml/2006/main">
   <p:cSld>
     <p:spTree>
@@ -16343,50 +16789,6 @@
         <p:nvPr/>
       </p:nvGrpSpPr>
       <p:grpSpPr/>
-      <p:sp>
-        <p:nvSpPr>
-          <p:cNvPr id="15361" name="文本框 5"/>
-          <p:cNvSpPr txBox="1"/>
-          <p:nvPr/>
-        </p:nvSpPr>
-        <p:spPr>
-          <a:xfrm>
-            <a:off x="385763" y="295275"/>
-            <a:ext cx="4252912" cy="461963"/>
-          </a:xfrm>
-          <a:prstGeom prst="rect">
-            <a:avLst/>
-          </a:prstGeom>
-          <a:noFill/>
-          <a:ln w="9525">
-            <a:noFill/>
-          </a:ln>
-        </p:spPr>
-        <p:txBody>
-          <a:bodyPr anchor="t">
-            <a:spAutoFit/>
-          </a:bodyPr>
-          <a:p>
-            <a:r>
-              <a:rPr lang="en-US" altLang="zh-CN" sz="2400" dirty="0">
-                <a:solidFill>
-                  <a:srgbClr val="404040"/>
-                </a:solidFill>
-                <a:ea typeface="SimSun" panose="02010600030101010101" pitchFamily="2" charset="-122"/>
-                <a:cs typeface="Calibri" panose="020F0502020204030204" pitchFamily="34" charset="0"/>
-              </a:rPr>
-              <a:t>ADD YOUR TITLE HERE</a:t>
-            </a:r>
-            <a:endParaRPr lang="zh-CN" altLang="en-US" sz="2400" dirty="0">
-              <a:solidFill>
-                <a:srgbClr val="404040"/>
-              </a:solidFill>
-              <a:ea typeface="Calibri" panose="020F0502020204030204" pitchFamily="34" charset="0"/>
-              <a:cs typeface="Calibri" panose="020F0502020204030204" pitchFamily="34" charset="0"/>
-            </a:endParaRPr>
-          </a:p>
-        </p:txBody>
-      </p:sp>
       <p:sp>
         <p:nvSpPr>
           <p:cNvPr id="31" name="Freeform 8"/>
@@ -16751,90 +17153,6 @@
       </p:sp>
       <p:sp>
         <p:nvSpPr>
-          <p:cNvPr id="33" name="矩形 32"/>
-          <p:cNvSpPr/>
-          <p:nvPr/>
-        </p:nvSpPr>
-        <p:spPr>
-          <a:xfrm>
-            <a:off x="3536950" y="4346575"/>
-            <a:ext cx="1250950" cy="398463"/>
-          </a:xfrm>
-          <a:prstGeom prst="rect">
-            <a:avLst/>
-          </a:prstGeom>
-          <a:solidFill>
-            <a:srgbClr val="FFBF53"/>
-          </a:solidFill>
-          <a:ln w="12700">
-            <a:solidFill>
-              <a:schemeClr val="bg1"/>
-            </a:solidFill>
-          </a:ln>
-          <a:effectLst>
-            <a:outerShdw blurRad="152400" dist="63500" dir="8100000" algn="tr" rotWithShape="0">
-              <a:prstClr val="black">
-                <a:alpha val="26000"/>
-              </a:prstClr>
-            </a:outerShdw>
-          </a:effectLst>
-        </p:spPr>
-        <p:style>
-          <a:lnRef idx="2">
-            <a:schemeClr val="accent1">
-              <a:shade val="50000"/>
-            </a:schemeClr>
-          </a:lnRef>
-          <a:fillRef idx="1">
-            <a:schemeClr val="accent1"/>
-          </a:fillRef>
-          <a:effectRef idx="0">
-            <a:schemeClr val="accent1"/>
-          </a:effectRef>
-          <a:fontRef idx="minor">
-            <a:schemeClr val="lt1"/>
-          </a:fontRef>
-        </p:style>
-        <p:txBody>
-          <a:bodyPr rtlCol="0" anchor="ctr"/>
-          <a:lstStyle/>
-          <a:p>
-            <a:pPr marL="0" marR="0" lvl="0" indent="0" algn="ctr" defTabSz="914400" rtl="0" eaLnBrk="1" fontAlgn="auto" latinLnBrk="0" hangingPunct="1">
-              <a:lnSpc>
-                <a:spcPct val="100000"/>
-              </a:lnSpc>
-              <a:spcBef>
-                <a:spcPts val="0"/>
-              </a:spcBef>
-              <a:spcAft>
-                <a:spcPts val="0"/>
-              </a:spcAft>
-              <a:buClrTx/>
-              <a:buSzTx/>
-              <a:buFontTx/>
-              <a:buNone/>
-              <a:defRPr/>
-            </a:pPr>
-            <a:endParaRPr kumimoji="0" lang="zh-CN" altLang="en-US" sz="3190" b="0" i="0" u="none" strike="noStrike" kern="1200" cap="none" spc="0" normalizeH="0" baseline="0" noProof="0" dirty="0">
-              <a:ln>
-                <a:noFill/>
-              </a:ln>
-              <a:solidFill>
-                <a:prstClr val="white"/>
-              </a:solidFill>
-              <a:effectLst/>
-              <a:uLnTx/>
-              <a:uFillTx/>
-              <a:latin typeface="+mn-lt"/>
-              <a:ea typeface="+mn-ea"/>
-              <a:cs typeface="Calibri" panose="020F0502020204030204" pitchFamily="34" charset="0"/>
-              <a:sym typeface="Arial" panose="020B0604020202020204" pitchFamily="34" charset="0"/>
-            </a:endParaRPr>
-          </a:p>
-        </p:txBody>
-      </p:sp>
-      <p:sp>
-        <p:nvSpPr>
           <p:cNvPr id="34" name="Freeform 8"/>
           <p:cNvSpPr/>
           <p:nvPr/>
@@ -17197,90 +17515,6 @@
       </p:sp>
       <p:sp>
         <p:nvSpPr>
-          <p:cNvPr id="36" name="矩形 35"/>
-          <p:cNvSpPr/>
-          <p:nvPr/>
-        </p:nvSpPr>
-        <p:spPr>
-          <a:xfrm>
-            <a:off x="5530850" y="5218113"/>
-            <a:ext cx="1250950" cy="398463"/>
-          </a:xfrm>
-          <a:prstGeom prst="rect">
-            <a:avLst/>
-          </a:prstGeom>
-          <a:solidFill>
-            <a:srgbClr val="F07474"/>
-          </a:solidFill>
-          <a:ln w="12700">
-            <a:solidFill>
-              <a:schemeClr val="bg1"/>
-            </a:solidFill>
-          </a:ln>
-          <a:effectLst>
-            <a:outerShdw blurRad="152400" dist="63500" dir="8100000" algn="tr" rotWithShape="0">
-              <a:prstClr val="black">
-                <a:alpha val="26000"/>
-              </a:prstClr>
-            </a:outerShdw>
-          </a:effectLst>
-        </p:spPr>
-        <p:style>
-          <a:lnRef idx="2">
-            <a:schemeClr val="accent1">
-              <a:shade val="50000"/>
-            </a:schemeClr>
-          </a:lnRef>
-          <a:fillRef idx="1">
-            <a:schemeClr val="accent1"/>
-          </a:fillRef>
-          <a:effectRef idx="0">
-            <a:schemeClr val="accent1"/>
-          </a:effectRef>
-          <a:fontRef idx="minor">
-            <a:schemeClr val="lt1"/>
-          </a:fontRef>
-        </p:style>
-        <p:txBody>
-          <a:bodyPr rtlCol="0" anchor="ctr"/>
-          <a:lstStyle/>
-          <a:p>
-            <a:pPr marL="0" marR="0" lvl="0" indent="0" algn="ctr" defTabSz="914400" rtl="0" eaLnBrk="1" fontAlgn="auto" latinLnBrk="0" hangingPunct="1">
-              <a:lnSpc>
-                <a:spcPct val="100000"/>
-              </a:lnSpc>
-              <a:spcBef>
-                <a:spcPts val="0"/>
-              </a:spcBef>
-              <a:spcAft>
-                <a:spcPts val="0"/>
-              </a:spcAft>
-              <a:buClrTx/>
-              <a:buSzTx/>
-              <a:buFontTx/>
-              <a:buNone/>
-              <a:defRPr/>
-            </a:pPr>
-            <a:endParaRPr kumimoji="0" lang="zh-CN" altLang="en-US" sz="3190" b="0" i="0" u="none" strike="noStrike" kern="1200" cap="none" spc="0" normalizeH="0" baseline="0" noProof="0" dirty="0">
-              <a:ln>
-                <a:noFill/>
-              </a:ln>
-              <a:solidFill>
-                <a:prstClr val="white"/>
-              </a:solidFill>
-              <a:effectLst/>
-              <a:uLnTx/>
-              <a:uFillTx/>
-              <a:latin typeface="+mn-lt"/>
-              <a:ea typeface="+mn-ea"/>
-              <a:cs typeface="Calibri" panose="020F0502020204030204" pitchFamily="34" charset="0"/>
-              <a:sym typeface="Arial" panose="020B0604020202020204" pitchFamily="34" charset="0"/>
-            </a:endParaRPr>
-          </a:p>
-        </p:txBody>
-      </p:sp>
-      <p:sp>
-        <p:nvSpPr>
           <p:cNvPr id="37" name="Freeform 8"/>
           <p:cNvSpPr/>
           <p:nvPr/>
@@ -17641,243 +17875,6 @@
           </a:p>
         </p:txBody>
       </p:sp>
-      <p:sp>
-        <p:nvSpPr>
-          <p:cNvPr id="39" name="矩形 38"/>
-          <p:cNvSpPr/>
-          <p:nvPr/>
-        </p:nvSpPr>
-        <p:spPr>
-          <a:xfrm>
-            <a:off x="7489825" y="4303713"/>
-            <a:ext cx="1250950" cy="400050"/>
-          </a:xfrm>
-          <a:prstGeom prst="rect">
-            <a:avLst/>
-          </a:prstGeom>
-          <a:solidFill>
-            <a:srgbClr val="02B3C5"/>
-          </a:solidFill>
-          <a:ln w="12700">
-            <a:solidFill>
-              <a:schemeClr val="bg1"/>
-            </a:solidFill>
-          </a:ln>
-          <a:effectLst>
-            <a:outerShdw blurRad="152400" dist="63500" dir="8100000" algn="tr" rotWithShape="0">
-              <a:prstClr val="black">
-                <a:alpha val="26000"/>
-              </a:prstClr>
-            </a:outerShdw>
-          </a:effectLst>
-        </p:spPr>
-        <p:style>
-          <a:lnRef idx="2">
-            <a:schemeClr val="accent1">
-              <a:shade val="50000"/>
-            </a:schemeClr>
-          </a:lnRef>
-          <a:fillRef idx="1">
-            <a:schemeClr val="accent1"/>
-          </a:fillRef>
-          <a:effectRef idx="0">
-            <a:schemeClr val="accent1"/>
-          </a:effectRef>
-          <a:fontRef idx="minor">
-            <a:schemeClr val="lt1"/>
-          </a:fontRef>
-        </p:style>
-        <p:txBody>
-          <a:bodyPr rtlCol="0" anchor="ctr"/>
-          <a:lstStyle/>
-          <a:p>
-            <a:pPr marL="0" marR="0" lvl="0" indent="0" algn="ctr" defTabSz="914400" rtl="0" eaLnBrk="1" fontAlgn="auto" latinLnBrk="0" hangingPunct="1">
-              <a:lnSpc>
-                <a:spcPct val="100000"/>
-              </a:lnSpc>
-              <a:spcBef>
-                <a:spcPts val="0"/>
-              </a:spcBef>
-              <a:spcAft>
-                <a:spcPts val="0"/>
-              </a:spcAft>
-              <a:buClrTx/>
-              <a:buSzTx/>
-              <a:buFontTx/>
-              <a:buNone/>
-              <a:defRPr/>
-            </a:pPr>
-            <a:endParaRPr kumimoji="0" lang="zh-CN" altLang="en-US" sz="3190" b="0" i="0" u="none" strike="noStrike" kern="1200" cap="none" spc="0" normalizeH="0" baseline="0" noProof="0" dirty="0">
-              <a:ln>
-                <a:noFill/>
-              </a:ln>
-              <a:solidFill>
-                <a:prstClr val="white"/>
-              </a:solidFill>
-              <a:effectLst/>
-              <a:uLnTx/>
-              <a:uFillTx/>
-              <a:latin typeface="+mn-lt"/>
-              <a:ea typeface="+mn-ea"/>
-              <a:cs typeface="Calibri" panose="020F0502020204030204" pitchFamily="34" charset="0"/>
-              <a:sym typeface="Arial" panose="020B0604020202020204" pitchFamily="34" charset="0"/>
-            </a:endParaRPr>
-          </a:p>
-        </p:txBody>
-      </p:sp>
-      <p:sp>
-        <p:nvSpPr>
-          <p:cNvPr id="15371" name="TextBox 13"/>
-          <p:cNvSpPr txBox="1"/>
-          <p:nvPr/>
-        </p:nvSpPr>
-        <p:spPr>
-          <a:xfrm>
-            <a:off x="3733800" y="4406900"/>
-            <a:ext cx="855663" cy="276225"/>
-          </a:xfrm>
-          <a:prstGeom prst="rect">
-            <a:avLst/>
-          </a:prstGeom>
-          <a:noFill/>
-          <a:ln w="9525">
-            <a:noFill/>
-          </a:ln>
-        </p:spPr>
-        <p:txBody>
-          <a:bodyPr wrap="square" lIns="0" tIns="0" rIns="0" bIns="0" anchor="t">
-            <a:spAutoFit/>
-          </a:bodyPr>
-          <a:p>
-            <a:pPr algn="ctr" defTabSz="1216025">
-              <a:spcBef>
-                <a:spcPct val="20000"/>
-              </a:spcBef>
-            </a:pPr>
-            <a:r>
-              <a:rPr lang="en-US" altLang="zh-CN" b="1" dirty="0">
-                <a:solidFill>
-                  <a:srgbClr val="FFFFFF"/>
-                </a:solidFill>
-                <a:ea typeface="Microsoft YaHei" panose="020B0503020204020204" charset="-122"/>
-                <a:cs typeface="Calibri" panose="020F0502020204030204" pitchFamily="34" charset="0"/>
-                <a:sym typeface="Arial" panose="020B0604020202020204" pitchFamily="34" charset="0"/>
-              </a:rPr>
-              <a:t>KEYS</a:t>
-            </a:r>
-            <a:endParaRPr lang="en-US" altLang="zh-CN" b="1" dirty="0">
-              <a:solidFill>
-                <a:srgbClr val="FFFFFF"/>
-              </a:solidFill>
-              <a:ea typeface="Microsoft YaHei" panose="020B0503020204020204" charset="-122"/>
-              <a:cs typeface="Calibri" panose="020F0502020204030204" pitchFamily="34" charset="0"/>
-              <a:sym typeface="Arial" panose="020B0604020202020204" pitchFamily="34" charset="0"/>
-            </a:endParaRPr>
-          </a:p>
-        </p:txBody>
-      </p:sp>
-      <p:sp>
-        <p:nvSpPr>
-          <p:cNvPr id="15372" name="TextBox 13"/>
-          <p:cNvSpPr txBox="1"/>
-          <p:nvPr/>
-        </p:nvSpPr>
-        <p:spPr>
-          <a:xfrm>
-            <a:off x="5729288" y="5278438"/>
-            <a:ext cx="855662" cy="277812"/>
-          </a:xfrm>
-          <a:prstGeom prst="rect">
-            <a:avLst/>
-          </a:prstGeom>
-          <a:noFill/>
-          <a:ln w="9525">
-            <a:noFill/>
-          </a:ln>
-        </p:spPr>
-        <p:txBody>
-          <a:bodyPr wrap="square" lIns="0" tIns="0" rIns="0" bIns="0" anchor="t">
-            <a:spAutoFit/>
-          </a:bodyPr>
-          <a:p>
-            <a:pPr algn="ctr" defTabSz="1216025">
-              <a:spcBef>
-                <a:spcPct val="20000"/>
-              </a:spcBef>
-            </a:pPr>
-            <a:r>
-              <a:rPr lang="en-US" altLang="zh-CN" b="1" dirty="0">
-                <a:solidFill>
-                  <a:srgbClr val="FFFFFF"/>
-                </a:solidFill>
-                <a:ea typeface="Microsoft YaHei" panose="020B0503020204020204" charset="-122"/>
-                <a:cs typeface="Calibri" panose="020F0502020204030204" pitchFamily="34" charset="0"/>
-                <a:sym typeface="Arial" panose="020B0604020202020204" pitchFamily="34" charset="0"/>
-              </a:rPr>
-              <a:t>KEYS</a:t>
-            </a:r>
-            <a:endParaRPr lang="en-US" altLang="zh-CN" b="1" dirty="0">
-              <a:solidFill>
-                <a:srgbClr val="FFFFFF"/>
-              </a:solidFill>
-              <a:ea typeface="Microsoft YaHei" panose="020B0503020204020204" charset="-122"/>
-              <a:cs typeface="Calibri" panose="020F0502020204030204" pitchFamily="34" charset="0"/>
-              <a:sym typeface="Arial" panose="020B0604020202020204" pitchFamily="34" charset="0"/>
-            </a:endParaRPr>
-          </a:p>
-        </p:txBody>
-      </p:sp>
-      <p:sp>
-        <p:nvSpPr>
-          <p:cNvPr id="15373" name="TextBox 13"/>
-          <p:cNvSpPr txBox="1"/>
-          <p:nvPr/>
-        </p:nvSpPr>
-        <p:spPr>
-          <a:xfrm>
-            <a:off x="7688263" y="4365625"/>
-            <a:ext cx="854075" cy="276225"/>
-          </a:xfrm>
-          <a:prstGeom prst="rect">
-            <a:avLst/>
-          </a:prstGeom>
-          <a:noFill/>
-          <a:ln w="9525">
-            <a:noFill/>
-          </a:ln>
-        </p:spPr>
-        <p:txBody>
-          <a:bodyPr wrap="square" lIns="0" tIns="0" rIns="0" bIns="0" anchor="t">
-            <a:spAutoFit/>
-          </a:bodyPr>
-          <a:p>
-            <a:pPr algn="ctr" defTabSz="1216025">
-              <a:spcBef>
-                <a:spcPct val="20000"/>
-              </a:spcBef>
-            </a:pPr>
-            <a:r>
-              <a:rPr lang="en-US" altLang="zh-CN" b="1" dirty="0">
-                <a:solidFill>
-                  <a:srgbClr val="FFFFFF"/>
-                </a:solidFill>
-                <a:ea typeface="Microsoft YaHei" panose="020B0503020204020204" charset="-122"/>
-                <a:cs typeface="Calibri" panose="020F0502020204030204" pitchFamily="34" charset="0"/>
-                <a:sym typeface="Arial" panose="020B0604020202020204" pitchFamily="34" charset="0"/>
-              </a:rPr>
-              <a:t>KEYS</a:t>
-            </a:r>
-            <a:endParaRPr lang="en-US" altLang="zh-CN" b="1" dirty="0">
-              <a:solidFill>
-                <a:srgbClr val="FFFFFF"/>
-              </a:solidFill>
-              <a:ea typeface="Microsoft YaHei" panose="020B0503020204020204" charset="-122"/>
-              <a:cs typeface="Calibri" panose="020F0502020204030204" pitchFamily="34" charset="0"/>
-              <a:sym typeface="Arial" panose="020B0604020202020204" pitchFamily="34" charset="0"/>
-            </a:endParaRPr>
-          </a:p>
-        </p:txBody>
-      </p:sp>
     </p:spTree>
   </p:cSld>
   <p:clrMapOvr>
@@ -17886,7 +17883,7 @@
 </p:sld>
 </file>
 
-<file path=ppt/slides/slide37.xml><?xml version="1.0" encoding="utf-8"?>
+<file path=ppt/slides/slide38.xml><?xml version="1.0" encoding="utf-8"?>
 <p:sld xmlns:a="http://schemas.openxmlformats.org/drawingml/2006/main" xmlns:r="http://schemas.openxmlformats.org/officeDocument/2006/relationships" xmlns:p="http://schemas.openxmlformats.org/presentationml/2006/main">
   <p:cSld>
     <p:spTree>
@@ -18975,954 +18972,6 @@
           </a:p>
         </p:txBody>
       </p:sp>
-      <p:grpSp>
-        <p:nvGrpSpPr>
-          <p:cNvPr id="33804" name="组合 15"/>
-          <p:cNvGrpSpPr/>
-          <p:nvPr/>
-        </p:nvGrpSpPr>
-        <p:grpSpPr>
-          <a:xfrm>
-            <a:off x="1182688" y="2327275"/>
-            <a:ext cx="1331912" cy="1331913"/>
-            <a:chOff x="139391" y="1379571"/>
-            <a:chExt cx="1651309" cy="1651309"/>
-          </a:xfrm>
-        </p:grpSpPr>
-        <p:sp>
-          <p:nvSpPr>
-            <p:cNvPr id="17" name="椭圆 16"/>
-            <p:cNvSpPr/>
-            <p:nvPr/>
-          </p:nvSpPr>
-          <p:spPr>
-            <a:xfrm>
-              <a:off x="139391" y="1379571"/>
-              <a:ext cx="1651309" cy="1651309"/>
-            </a:xfrm>
-            <a:prstGeom prst="ellipse">
-              <a:avLst/>
-            </a:prstGeom>
-            <a:gradFill flip="none" rotWithShape="1">
-              <a:gsLst>
-                <a:gs pos="0">
-                  <a:schemeClr val="bg1"/>
-                </a:gs>
-                <a:gs pos="100000">
-                  <a:schemeClr val="bg1">
-                    <a:lumMod val="85000"/>
-                  </a:schemeClr>
-                </a:gs>
-              </a:gsLst>
-              <a:lin ang="16200000" scaled="1"/>
-              <a:tileRect/>
-            </a:gradFill>
-            <a:ln w="12700">
-              <a:solidFill>
-                <a:schemeClr val="bg1"/>
-              </a:solidFill>
-            </a:ln>
-            <a:effectLst>
-              <a:outerShdw blurRad="152400" dist="63500" dir="8100000" algn="tr" rotWithShape="0">
-                <a:prstClr val="black">
-                  <a:alpha val="26000"/>
-                </a:prstClr>
-              </a:outerShdw>
-            </a:effectLst>
-          </p:spPr>
-          <p:style>
-            <a:lnRef idx="2">
-              <a:schemeClr val="accent1">
-                <a:shade val="50000"/>
-              </a:schemeClr>
-            </a:lnRef>
-            <a:fillRef idx="1">
-              <a:schemeClr val="accent1"/>
-            </a:fillRef>
-            <a:effectRef idx="0">
-              <a:schemeClr val="accent1"/>
-            </a:effectRef>
-            <a:fontRef idx="minor">
-              <a:schemeClr val="lt1"/>
-            </a:fontRef>
-          </p:style>
-          <p:txBody>
-            <a:bodyPr anchor="ctr"/>
-            <a:lstStyle/>
-            <a:p>
-              <a:pPr marL="0" marR="0" lvl="0" indent="0" algn="ctr" defTabSz="914400" rtl="0" eaLnBrk="1" fontAlgn="auto" latinLnBrk="0" hangingPunct="1">
-                <a:lnSpc>
-                  <a:spcPct val="100000"/>
-                </a:lnSpc>
-                <a:spcBef>
-                  <a:spcPts val="0"/>
-                </a:spcBef>
-                <a:spcAft>
-                  <a:spcPts val="0"/>
-                </a:spcAft>
-                <a:buClrTx/>
-                <a:buSzTx/>
-                <a:buFontTx/>
-                <a:buNone/>
-                <a:defRPr/>
-              </a:pPr>
-              <a:endParaRPr kumimoji="0" lang="zh-CN" altLang="en-US" sz="3190" b="0" i="0" u="none" strike="noStrike" kern="1200" cap="none" spc="0" normalizeH="0" baseline="0" noProof="0">
-                <a:ln>
-                  <a:noFill/>
-                </a:ln>
-                <a:solidFill>
-                  <a:prstClr val="white"/>
-                </a:solidFill>
-                <a:effectLst/>
-                <a:uLnTx/>
-                <a:uFillTx/>
-                <a:latin typeface="+mn-lt"/>
-                <a:ea typeface="+mn-ea"/>
-                <a:cs typeface="Calibri" panose="020F0502020204030204" pitchFamily="34" charset="0"/>
-              </a:endParaRPr>
-            </a:p>
-          </p:txBody>
-        </p:sp>
-        <p:sp>
-          <p:nvSpPr>
-            <p:cNvPr id="18" name="椭圆 17"/>
-            <p:cNvSpPr/>
-            <p:nvPr/>
-          </p:nvSpPr>
-          <p:spPr>
-            <a:xfrm>
-              <a:off x="269291" y="1497662"/>
-              <a:ext cx="1417094" cy="1415127"/>
-            </a:xfrm>
-            <a:prstGeom prst="ellipse">
-              <a:avLst/>
-            </a:prstGeom>
-            <a:solidFill>
-              <a:srgbClr val="F07474"/>
-            </a:solidFill>
-            <a:ln w="28575">
-              <a:noFill/>
-            </a:ln>
-            <a:effectLst>
-              <a:outerShdw blurRad="152400" dist="63500" dir="8100000" algn="tr" rotWithShape="0">
-                <a:prstClr val="black">
-                  <a:alpha val="26000"/>
-                </a:prstClr>
-              </a:outerShdw>
-            </a:effectLst>
-          </p:spPr>
-          <p:style>
-            <a:lnRef idx="2">
-              <a:schemeClr val="accent1">
-                <a:shade val="50000"/>
-              </a:schemeClr>
-            </a:lnRef>
-            <a:fillRef idx="1">
-              <a:schemeClr val="accent1"/>
-            </a:fillRef>
-            <a:effectRef idx="0">
-              <a:schemeClr val="accent1"/>
-            </a:effectRef>
-            <a:fontRef idx="minor">
-              <a:schemeClr val="lt1"/>
-            </a:fontRef>
-          </p:style>
-          <p:txBody>
-            <a:bodyPr anchor="ctr"/>
-            <a:lstStyle/>
-            <a:p>
-              <a:pPr marL="0" marR="0" lvl="0" indent="0" algn="ctr" defTabSz="914400" rtl="0" eaLnBrk="1" fontAlgn="auto" latinLnBrk="0" hangingPunct="1">
-                <a:lnSpc>
-                  <a:spcPct val="100000"/>
-                </a:lnSpc>
-                <a:spcBef>
-                  <a:spcPts val="0"/>
-                </a:spcBef>
-                <a:spcAft>
-                  <a:spcPts val="0"/>
-                </a:spcAft>
-                <a:buClrTx/>
-                <a:buSzTx/>
-                <a:buFontTx/>
-                <a:buNone/>
-                <a:defRPr/>
-              </a:pPr>
-              <a:endParaRPr kumimoji="0" lang="zh-CN" altLang="en-US" sz="3190" b="0" i="0" u="none" strike="noStrike" kern="1200" cap="none" spc="0" normalizeH="0" baseline="0" noProof="0">
-                <a:ln>
-                  <a:noFill/>
-                </a:ln>
-                <a:solidFill>
-                  <a:prstClr val="white"/>
-                </a:solidFill>
-                <a:effectLst/>
-                <a:uLnTx/>
-                <a:uFillTx/>
-                <a:latin typeface="+mn-lt"/>
-                <a:ea typeface="+mn-ea"/>
-                <a:cs typeface="Calibri" panose="020F0502020204030204" pitchFamily="34" charset="0"/>
-              </a:endParaRPr>
-            </a:p>
-          </p:txBody>
-        </p:sp>
-        <p:sp>
-          <p:nvSpPr>
-            <p:cNvPr id="33807" name="文本框 18"/>
-            <p:cNvSpPr txBox="1"/>
-            <p:nvPr/>
-          </p:nvSpPr>
-          <p:spPr>
-            <a:xfrm>
-              <a:off x="591936" y="1562368"/>
-              <a:ext cx="867858" cy="1372220"/>
-            </a:xfrm>
-            <a:prstGeom prst="rect">
-              <a:avLst/>
-            </a:prstGeom>
-            <a:noFill/>
-            <a:ln w="9525">
-              <a:noFill/>
-            </a:ln>
-          </p:spPr>
-          <p:txBody>
-            <a:bodyPr anchor="t">
-              <a:spAutoFit/>
-            </a:bodyPr>
-            <a:p>
-              <a:pPr>
-                <a:buFont typeface="Arial" panose="020B0604020202020204" pitchFamily="34" charset="0"/>
-              </a:pPr>
-              <a:r>
-                <a:rPr lang="en-US" altLang="zh-CN" sz="6600" dirty="0">
-                  <a:solidFill>
-                    <a:schemeClr val="bg1"/>
-                  </a:solidFill>
-                  <a:ea typeface="SimSun" panose="02010600030101010101" pitchFamily="2" charset="-122"/>
-                  <a:cs typeface="Calibri" panose="020F0502020204030204" pitchFamily="34" charset="0"/>
-                </a:rPr>
-                <a:t>C</a:t>
-              </a:r>
-              <a:endParaRPr lang="en-US" altLang="zh-CN" sz="6600" dirty="0">
-                <a:solidFill>
-                  <a:schemeClr val="bg1"/>
-                </a:solidFill>
-                <a:ea typeface="SimSun" panose="02010600030101010101" pitchFamily="2" charset="-122"/>
-                <a:cs typeface="Calibri" panose="020F0502020204030204" pitchFamily="34" charset="0"/>
-              </a:endParaRPr>
-            </a:p>
-          </p:txBody>
-        </p:sp>
-      </p:grpSp>
-      <p:grpSp>
-        <p:nvGrpSpPr>
-          <p:cNvPr id="33808" name="组合 19"/>
-          <p:cNvGrpSpPr/>
-          <p:nvPr/>
-        </p:nvGrpSpPr>
-        <p:grpSpPr>
-          <a:xfrm>
-            <a:off x="2572703" y="2327275"/>
-            <a:ext cx="1331912" cy="1331913"/>
-            <a:chOff x="139391" y="1379571"/>
-            <a:chExt cx="1651309" cy="1651309"/>
-          </a:xfrm>
-        </p:grpSpPr>
-        <p:sp>
-          <p:nvSpPr>
-            <p:cNvPr id="21" name="椭圆 20"/>
-            <p:cNvSpPr/>
-            <p:nvPr/>
-          </p:nvSpPr>
-          <p:spPr>
-            <a:xfrm>
-              <a:off x="139391" y="1379571"/>
-              <a:ext cx="1651309" cy="1651309"/>
-            </a:xfrm>
-            <a:prstGeom prst="ellipse">
-              <a:avLst/>
-            </a:prstGeom>
-            <a:gradFill flip="none" rotWithShape="1">
-              <a:gsLst>
-                <a:gs pos="0">
-                  <a:schemeClr val="bg1"/>
-                </a:gs>
-                <a:gs pos="100000">
-                  <a:schemeClr val="bg1">
-                    <a:lumMod val="85000"/>
-                  </a:schemeClr>
-                </a:gs>
-              </a:gsLst>
-              <a:lin ang="16200000" scaled="1"/>
-              <a:tileRect/>
-            </a:gradFill>
-            <a:ln w="12700">
-              <a:solidFill>
-                <a:schemeClr val="bg1"/>
-              </a:solidFill>
-            </a:ln>
-            <a:effectLst>
-              <a:outerShdw blurRad="152400" dist="63500" dir="8100000" algn="tr" rotWithShape="0">
-                <a:prstClr val="black">
-                  <a:alpha val="26000"/>
-                </a:prstClr>
-              </a:outerShdw>
-            </a:effectLst>
-          </p:spPr>
-          <p:style>
-            <a:lnRef idx="2">
-              <a:schemeClr val="accent1">
-                <a:shade val="50000"/>
-              </a:schemeClr>
-            </a:lnRef>
-            <a:fillRef idx="1">
-              <a:schemeClr val="accent1"/>
-            </a:fillRef>
-            <a:effectRef idx="0">
-              <a:schemeClr val="accent1"/>
-            </a:effectRef>
-            <a:fontRef idx="minor">
-              <a:schemeClr val="lt1"/>
-            </a:fontRef>
-          </p:style>
-          <p:txBody>
-            <a:bodyPr anchor="ctr"/>
-            <a:lstStyle/>
-            <a:p>
-              <a:pPr marL="0" marR="0" lvl="0" indent="0" algn="ctr" defTabSz="914400" rtl="0" eaLnBrk="1" fontAlgn="auto" latinLnBrk="0" hangingPunct="1">
-                <a:lnSpc>
-                  <a:spcPct val="100000"/>
-                </a:lnSpc>
-                <a:spcBef>
-                  <a:spcPts val="0"/>
-                </a:spcBef>
-                <a:spcAft>
-                  <a:spcPts val="0"/>
-                </a:spcAft>
-                <a:buClrTx/>
-                <a:buSzTx/>
-                <a:buFontTx/>
-                <a:buNone/>
-                <a:defRPr/>
-              </a:pPr>
-              <a:endParaRPr kumimoji="0" lang="zh-CN" altLang="en-US" sz="3190" b="0" i="0" u="none" strike="noStrike" kern="1200" cap="none" spc="0" normalizeH="0" baseline="0" noProof="0">
-                <a:ln>
-                  <a:noFill/>
-                </a:ln>
-                <a:solidFill>
-                  <a:prstClr val="white"/>
-                </a:solidFill>
-                <a:effectLst/>
-                <a:uLnTx/>
-                <a:uFillTx/>
-                <a:latin typeface="+mn-lt"/>
-                <a:ea typeface="+mn-ea"/>
-                <a:cs typeface="Calibri" panose="020F0502020204030204" pitchFamily="34" charset="0"/>
-              </a:endParaRPr>
-            </a:p>
-          </p:txBody>
-        </p:sp>
-        <p:sp>
-          <p:nvSpPr>
-            <p:cNvPr id="22" name="椭圆 21"/>
-            <p:cNvSpPr/>
-            <p:nvPr/>
-          </p:nvSpPr>
-          <p:spPr>
-            <a:xfrm>
-              <a:off x="269291" y="1497662"/>
-              <a:ext cx="1417094" cy="1415127"/>
-            </a:xfrm>
-            <a:prstGeom prst="ellipse">
-              <a:avLst/>
-            </a:prstGeom>
-            <a:solidFill>
-              <a:srgbClr val="FFBF53"/>
-            </a:solidFill>
-            <a:ln w="28575">
-              <a:noFill/>
-            </a:ln>
-            <a:effectLst>
-              <a:outerShdw blurRad="152400" dist="63500" dir="8100000" algn="tr" rotWithShape="0">
-                <a:prstClr val="black">
-                  <a:alpha val="26000"/>
-                </a:prstClr>
-              </a:outerShdw>
-            </a:effectLst>
-          </p:spPr>
-          <p:style>
-            <a:lnRef idx="2">
-              <a:schemeClr val="accent1">
-                <a:shade val="50000"/>
-              </a:schemeClr>
-            </a:lnRef>
-            <a:fillRef idx="1">
-              <a:schemeClr val="accent1"/>
-            </a:fillRef>
-            <a:effectRef idx="0">
-              <a:schemeClr val="accent1"/>
-            </a:effectRef>
-            <a:fontRef idx="minor">
-              <a:schemeClr val="lt1"/>
-            </a:fontRef>
-          </p:style>
-          <p:txBody>
-            <a:bodyPr anchor="ctr"/>
-            <a:lstStyle/>
-            <a:p>
-              <a:pPr marL="0" marR="0" lvl="0" indent="0" algn="ctr" defTabSz="914400" rtl="0" eaLnBrk="1" fontAlgn="auto" latinLnBrk="0" hangingPunct="1">
-                <a:lnSpc>
-                  <a:spcPct val="100000"/>
-                </a:lnSpc>
-                <a:spcBef>
-                  <a:spcPts val="0"/>
-                </a:spcBef>
-                <a:spcAft>
-                  <a:spcPts val="0"/>
-                </a:spcAft>
-                <a:buClrTx/>
-                <a:buSzTx/>
-                <a:buFontTx/>
-                <a:buNone/>
-                <a:defRPr/>
-              </a:pPr>
-              <a:endParaRPr kumimoji="0" lang="zh-CN" altLang="en-US" sz="3190" b="0" i="0" u="none" strike="noStrike" kern="1200" cap="none" spc="0" normalizeH="0" baseline="0" noProof="0">
-                <a:ln>
-                  <a:noFill/>
-                </a:ln>
-                <a:solidFill>
-                  <a:prstClr val="white"/>
-                </a:solidFill>
-                <a:effectLst/>
-                <a:uLnTx/>
-                <a:uFillTx/>
-                <a:latin typeface="+mn-lt"/>
-                <a:ea typeface="+mn-ea"/>
-                <a:cs typeface="Calibri" panose="020F0502020204030204" pitchFamily="34" charset="0"/>
-              </a:endParaRPr>
-            </a:p>
-          </p:txBody>
-        </p:sp>
-        <p:sp>
-          <p:nvSpPr>
-            <p:cNvPr id="33811" name="文本框 22"/>
-            <p:cNvSpPr txBox="1"/>
-            <p:nvPr/>
-          </p:nvSpPr>
-          <p:spPr>
-            <a:xfrm>
-              <a:off x="591936" y="1562368"/>
-              <a:ext cx="867858" cy="1372220"/>
-            </a:xfrm>
-            <a:prstGeom prst="rect">
-              <a:avLst/>
-            </a:prstGeom>
-            <a:noFill/>
-            <a:ln w="9525">
-              <a:noFill/>
-            </a:ln>
-          </p:spPr>
-          <p:txBody>
-            <a:bodyPr anchor="t">
-              <a:spAutoFit/>
-            </a:bodyPr>
-            <a:p>
-              <a:pPr>
-                <a:buFont typeface="Arial" panose="020B0604020202020204" pitchFamily="34" charset="0"/>
-              </a:pPr>
-              <a:r>
-                <a:rPr lang="en-US" altLang="zh-CN" sz="6600" dirty="0">
-                  <a:solidFill>
-                    <a:schemeClr val="bg1"/>
-                  </a:solidFill>
-                  <a:ea typeface="SimSun" panose="02010600030101010101" pitchFamily="2" charset="-122"/>
-                  <a:cs typeface="Calibri" panose="020F0502020204030204" pitchFamily="34" charset="0"/>
-                </a:rPr>
-                <a:t>U</a:t>
-              </a:r>
-              <a:endParaRPr lang="en-US" altLang="zh-CN" sz="6600" dirty="0">
-                <a:solidFill>
-                  <a:schemeClr val="bg1"/>
-                </a:solidFill>
-                <a:ea typeface="SimSun" panose="02010600030101010101" pitchFamily="2" charset="-122"/>
-                <a:cs typeface="Calibri" panose="020F0502020204030204" pitchFamily="34" charset="0"/>
-              </a:endParaRPr>
-            </a:p>
-          </p:txBody>
-        </p:sp>
-      </p:grpSp>
-      <p:grpSp>
-        <p:nvGrpSpPr>
-          <p:cNvPr id="33812" name="组合 23"/>
-          <p:cNvGrpSpPr/>
-          <p:nvPr/>
-        </p:nvGrpSpPr>
-        <p:grpSpPr>
-          <a:xfrm>
-            <a:off x="3956050" y="2327275"/>
-            <a:ext cx="1331913" cy="1331913"/>
-            <a:chOff x="139391" y="1379571"/>
-            <a:chExt cx="1651309" cy="1651309"/>
-          </a:xfrm>
-        </p:grpSpPr>
-        <p:sp>
-          <p:nvSpPr>
-            <p:cNvPr id="25" name="椭圆 24"/>
-            <p:cNvSpPr/>
-            <p:nvPr/>
-          </p:nvSpPr>
-          <p:spPr>
-            <a:xfrm>
-              <a:off x="139391" y="1379571"/>
-              <a:ext cx="1651309" cy="1651309"/>
-            </a:xfrm>
-            <a:prstGeom prst="ellipse">
-              <a:avLst/>
-            </a:prstGeom>
-            <a:gradFill flip="none" rotWithShape="1">
-              <a:gsLst>
-                <a:gs pos="0">
-                  <a:schemeClr val="bg1"/>
-                </a:gs>
-                <a:gs pos="100000">
-                  <a:schemeClr val="bg1">
-                    <a:lumMod val="85000"/>
-                  </a:schemeClr>
-                </a:gs>
-              </a:gsLst>
-              <a:lin ang="16200000" scaled="1"/>
-              <a:tileRect/>
-            </a:gradFill>
-            <a:ln w="12700">
-              <a:solidFill>
-                <a:schemeClr val="bg1"/>
-              </a:solidFill>
-            </a:ln>
-            <a:effectLst>
-              <a:outerShdw blurRad="152400" dist="63500" dir="8100000" algn="tr" rotWithShape="0">
-                <a:prstClr val="black">
-                  <a:alpha val="26000"/>
-                </a:prstClr>
-              </a:outerShdw>
-            </a:effectLst>
-          </p:spPr>
-          <p:style>
-            <a:lnRef idx="2">
-              <a:schemeClr val="accent1">
-                <a:shade val="50000"/>
-              </a:schemeClr>
-            </a:lnRef>
-            <a:fillRef idx="1">
-              <a:schemeClr val="accent1"/>
-            </a:fillRef>
-            <a:effectRef idx="0">
-              <a:schemeClr val="accent1"/>
-            </a:effectRef>
-            <a:fontRef idx="minor">
-              <a:schemeClr val="lt1"/>
-            </a:fontRef>
-          </p:style>
-          <p:txBody>
-            <a:bodyPr anchor="ctr"/>
-            <a:lstStyle/>
-            <a:p>
-              <a:pPr marL="0" marR="0" lvl="0" indent="0" algn="ctr" defTabSz="914400" rtl="0" eaLnBrk="1" fontAlgn="auto" latinLnBrk="0" hangingPunct="1">
-                <a:lnSpc>
-                  <a:spcPct val="100000"/>
-                </a:lnSpc>
-                <a:spcBef>
-                  <a:spcPts val="0"/>
-                </a:spcBef>
-                <a:spcAft>
-                  <a:spcPts val="0"/>
-                </a:spcAft>
-                <a:buClrTx/>
-                <a:buSzTx/>
-                <a:buFontTx/>
-                <a:buNone/>
-                <a:defRPr/>
-              </a:pPr>
-              <a:endParaRPr kumimoji="0" lang="zh-CN" altLang="en-US" sz="3190" b="0" i="0" u="none" strike="noStrike" kern="1200" cap="none" spc="0" normalizeH="0" baseline="0" noProof="0">
-                <a:ln>
-                  <a:noFill/>
-                </a:ln>
-                <a:solidFill>
-                  <a:prstClr val="white"/>
-                </a:solidFill>
-                <a:effectLst/>
-                <a:uLnTx/>
-                <a:uFillTx/>
-                <a:latin typeface="+mn-lt"/>
-                <a:ea typeface="+mn-ea"/>
-                <a:cs typeface="Calibri" panose="020F0502020204030204" pitchFamily="34" charset="0"/>
-              </a:endParaRPr>
-            </a:p>
-          </p:txBody>
-        </p:sp>
-        <p:sp>
-          <p:nvSpPr>
-            <p:cNvPr id="26" name="椭圆 25"/>
-            <p:cNvSpPr/>
-            <p:nvPr/>
-          </p:nvSpPr>
-          <p:spPr>
-            <a:xfrm>
-              <a:off x="269291" y="1497662"/>
-              <a:ext cx="1417095" cy="1415127"/>
-            </a:xfrm>
-            <a:prstGeom prst="ellipse">
-              <a:avLst/>
-            </a:prstGeom>
-            <a:solidFill>
-              <a:srgbClr val="02B3C5"/>
-            </a:solidFill>
-            <a:ln w="28575">
-              <a:noFill/>
-            </a:ln>
-            <a:effectLst>
-              <a:outerShdw blurRad="152400" dist="63500" dir="8100000" algn="tr" rotWithShape="0">
-                <a:prstClr val="black">
-                  <a:alpha val="26000"/>
-                </a:prstClr>
-              </a:outerShdw>
-            </a:effectLst>
-          </p:spPr>
-          <p:style>
-            <a:lnRef idx="2">
-              <a:schemeClr val="accent1">
-                <a:shade val="50000"/>
-              </a:schemeClr>
-            </a:lnRef>
-            <a:fillRef idx="1">
-              <a:schemeClr val="accent1"/>
-            </a:fillRef>
-            <a:effectRef idx="0">
-              <a:schemeClr val="accent1"/>
-            </a:effectRef>
-            <a:fontRef idx="minor">
-              <a:schemeClr val="lt1"/>
-            </a:fontRef>
-          </p:style>
-          <p:txBody>
-            <a:bodyPr anchor="ctr"/>
-            <a:lstStyle/>
-            <a:p>
-              <a:pPr marL="0" marR="0" lvl="0" indent="0" algn="ctr" defTabSz="914400" rtl="0" eaLnBrk="1" fontAlgn="auto" latinLnBrk="0" hangingPunct="1">
-                <a:lnSpc>
-                  <a:spcPct val="100000"/>
-                </a:lnSpc>
-                <a:spcBef>
-                  <a:spcPts val="0"/>
-                </a:spcBef>
-                <a:spcAft>
-                  <a:spcPts val="0"/>
-                </a:spcAft>
-                <a:buClrTx/>
-                <a:buSzTx/>
-                <a:buFontTx/>
-                <a:buNone/>
-                <a:defRPr/>
-              </a:pPr>
-              <a:endParaRPr kumimoji="0" lang="zh-CN" altLang="en-US" sz="3190" b="0" i="0" u="none" strike="noStrike" kern="1200" cap="none" spc="0" normalizeH="0" baseline="0" noProof="0">
-                <a:ln>
-                  <a:noFill/>
-                </a:ln>
-                <a:solidFill>
-                  <a:prstClr val="white"/>
-                </a:solidFill>
-                <a:effectLst/>
-                <a:uLnTx/>
-                <a:uFillTx/>
-                <a:latin typeface="+mn-lt"/>
-                <a:ea typeface="+mn-ea"/>
-                <a:cs typeface="Calibri" panose="020F0502020204030204" pitchFamily="34" charset="0"/>
-              </a:endParaRPr>
-            </a:p>
-          </p:txBody>
-        </p:sp>
-        <p:sp>
-          <p:nvSpPr>
-            <p:cNvPr id="33815" name="文本框 26"/>
-            <p:cNvSpPr txBox="1"/>
-            <p:nvPr/>
-          </p:nvSpPr>
-          <p:spPr>
-            <a:xfrm>
-              <a:off x="591936" y="1562368"/>
-              <a:ext cx="867858" cy="1372220"/>
-            </a:xfrm>
-            <a:prstGeom prst="rect">
-              <a:avLst/>
-            </a:prstGeom>
-            <a:noFill/>
-            <a:ln w="9525">
-              <a:noFill/>
-            </a:ln>
-          </p:spPr>
-          <p:txBody>
-            <a:bodyPr anchor="t">
-              <a:spAutoFit/>
-            </a:bodyPr>
-            <a:p>
-              <a:pPr>
-                <a:buFont typeface="Arial" panose="020B0604020202020204" pitchFamily="34" charset="0"/>
-              </a:pPr>
-              <a:r>
-                <a:rPr lang="en-US" sz="6600" dirty="0">
-                  <a:solidFill>
-                    <a:schemeClr val="bg1"/>
-                  </a:solidFill>
-                  <a:ea typeface="SimSun" panose="02010600030101010101" pitchFamily="2" charset="-122"/>
-                  <a:cs typeface="Calibri" panose="020F0502020204030204" pitchFamily="34" charset="0"/>
-                </a:rPr>
-                <a:t>T</a:t>
-              </a:r>
-              <a:endParaRPr lang="en-US" sz="6600" dirty="0">
-                <a:solidFill>
-                  <a:schemeClr val="bg1"/>
-                </a:solidFill>
-                <a:ea typeface="SimSun" panose="02010600030101010101" pitchFamily="2" charset="-122"/>
-                <a:cs typeface="Calibri" panose="020F0502020204030204" pitchFamily="34" charset="0"/>
-              </a:endParaRPr>
-            </a:p>
-          </p:txBody>
-        </p:sp>
-      </p:grpSp>
-      <p:grpSp>
-        <p:nvGrpSpPr>
-          <p:cNvPr id="33816" name="组合 27"/>
-          <p:cNvGrpSpPr/>
-          <p:nvPr/>
-        </p:nvGrpSpPr>
-        <p:grpSpPr>
-          <a:xfrm>
-            <a:off x="5343525" y="2327275"/>
-            <a:ext cx="1331913" cy="1331913"/>
-            <a:chOff x="139391" y="1379571"/>
-            <a:chExt cx="1651309" cy="1651309"/>
-          </a:xfrm>
-        </p:grpSpPr>
-        <p:sp>
-          <p:nvSpPr>
-            <p:cNvPr id="29" name="椭圆 28"/>
-            <p:cNvSpPr/>
-            <p:nvPr/>
-          </p:nvSpPr>
-          <p:spPr>
-            <a:xfrm>
-              <a:off x="139391" y="1379571"/>
-              <a:ext cx="1651309" cy="1651309"/>
-            </a:xfrm>
-            <a:prstGeom prst="ellipse">
-              <a:avLst/>
-            </a:prstGeom>
-            <a:gradFill flip="none" rotWithShape="1">
-              <a:gsLst>
-                <a:gs pos="0">
-                  <a:schemeClr val="bg1"/>
-                </a:gs>
-                <a:gs pos="100000">
-                  <a:schemeClr val="bg1">
-                    <a:lumMod val="85000"/>
-                  </a:schemeClr>
-                </a:gs>
-              </a:gsLst>
-              <a:lin ang="16200000" scaled="1"/>
-              <a:tileRect/>
-            </a:gradFill>
-            <a:ln w="12700">
-              <a:solidFill>
-                <a:schemeClr val="bg1"/>
-              </a:solidFill>
-            </a:ln>
-            <a:effectLst>
-              <a:outerShdw blurRad="152400" dist="63500" dir="8100000" algn="tr" rotWithShape="0">
-                <a:prstClr val="black">
-                  <a:alpha val="26000"/>
-                </a:prstClr>
-              </a:outerShdw>
-            </a:effectLst>
-          </p:spPr>
-          <p:style>
-            <a:lnRef idx="2">
-              <a:schemeClr val="accent1">
-                <a:shade val="50000"/>
-              </a:schemeClr>
-            </a:lnRef>
-            <a:fillRef idx="1">
-              <a:schemeClr val="accent1"/>
-            </a:fillRef>
-            <a:effectRef idx="0">
-              <a:schemeClr val="accent1"/>
-            </a:effectRef>
-            <a:fontRef idx="minor">
-              <a:schemeClr val="lt1"/>
-            </a:fontRef>
-          </p:style>
-          <p:txBody>
-            <a:bodyPr anchor="ctr"/>
-            <a:lstStyle/>
-            <a:p>
-              <a:pPr marL="0" marR="0" lvl="0" indent="0" algn="ctr" defTabSz="914400" rtl="0" eaLnBrk="1" fontAlgn="auto" latinLnBrk="0" hangingPunct="1">
-                <a:lnSpc>
-                  <a:spcPct val="100000"/>
-                </a:lnSpc>
-                <a:spcBef>
-                  <a:spcPts val="0"/>
-                </a:spcBef>
-                <a:spcAft>
-                  <a:spcPts val="0"/>
-                </a:spcAft>
-                <a:buClrTx/>
-                <a:buSzTx/>
-                <a:buFontTx/>
-                <a:buNone/>
-                <a:defRPr/>
-              </a:pPr>
-              <a:endParaRPr kumimoji="0" lang="zh-CN" altLang="en-US" sz="3190" b="0" i="0" u="none" strike="noStrike" kern="1200" cap="none" spc="0" normalizeH="0" baseline="0" noProof="0">
-                <a:ln>
-                  <a:noFill/>
-                </a:ln>
-                <a:solidFill>
-                  <a:prstClr val="white"/>
-                </a:solidFill>
-                <a:effectLst/>
-                <a:uLnTx/>
-                <a:uFillTx/>
-                <a:latin typeface="+mn-lt"/>
-                <a:ea typeface="+mn-ea"/>
-                <a:cs typeface="Calibri" panose="020F0502020204030204" pitchFamily="34" charset="0"/>
-              </a:endParaRPr>
-            </a:p>
-          </p:txBody>
-        </p:sp>
-        <p:sp>
-          <p:nvSpPr>
-            <p:cNvPr id="30" name="椭圆 29"/>
-            <p:cNvSpPr/>
-            <p:nvPr/>
-          </p:nvSpPr>
-          <p:spPr>
-            <a:xfrm>
-              <a:off x="269291" y="1497662"/>
-              <a:ext cx="1417095" cy="1415127"/>
-            </a:xfrm>
-            <a:prstGeom prst="ellipse">
-              <a:avLst/>
-            </a:prstGeom>
-            <a:solidFill>
-              <a:srgbClr val="6A3C7C"/>
-            </a:solidFill>
-            <a:ln w="28575">
-              <a:noFill/>
-            </a:ln>
-            <a:effectLst>
-              <a:outerShdw blurRad="152400" dist="63500" dir="8100000" algn="tr" rotWithShape="0">
-                <a:prstClr val="black">
-                  <a:alpha val="26000"/>
-                </a:prstClr>
-              </a:outerShdw>
-            </a:effectLst>
-          </p:spPr>
-          <p:style>
-            <a:lnRef idx="2">
-              <a:schemeClr val="accent1">
-                <a:shade val="50000"/>
-              </a:schemeClr>
-            </a:lnRef>
-            <a:fillRef idx="1">
-              <a:schemeClr val="accent1"/>
-            </a:fillRef>
-            <a:effectRef idx="0">
-              <a:schemeClr val="accent1"/>
-            </a:effectRef>
-            <a:fontRef idx="minor">
-              <a:schemeClr val="lt1"/>
-            </a:fontRef>
-          </p:style>
-          <p:txBody>
-            <a:bodyPr anchor="ctr"/>
-            <a:lstStyle/>
-            <a:p>
-              <a:pPr marL="0" marR="0" lvl="0" indent="0" algn="ctr" defTabSz="914400" rtl="0" eaLnBrk="1" fontAlgn="auto" latinLnBrk="0" hangingPunct="1">
-                <a:lnSpc>
-                  <a:spcPct val="100000"/>
-                </a:lnSpc>
-                <a:spcBef>
-                  <a:spcPts val="0"/>
-                </a:spcBef>
-                <a:spcAft>
-                  <a:spcPts val="0"/>
-                </a:spcAft>
-                <a:buClrTx/>
-                <a:buSzTx/>
-                <a:buFontTx/>
-                <a:buNone/>
-                <a:defRPr/>
-              </a:pPr>
-              <a:endParaRPr kumimoji="0" lang="zh-CN" altLang="en-US" sz="3190" b="0" i="0" u="none" strike="noStrike" kern="1200" cap="none" spc="0" normalizeH="0" baseline="0" noProof="0">
-                <a:ln>
-                  <a:noFill/>
-                </a:ln>
-                <a:solidFill>
-                  <a:prstClr val="white"/>
-                </a:solidFill>
-                <a:effectLst/>
-                <a:uLnTx/>
-                <a:uFillTx/>
-                <a:latin typeface="+mn-lt"/>
-                <a:ea typeface="+mn-ea"/>
-                <a:cs typeface="Calibri" panose="020F0502020204030204" pitchFamily="34" charset="0"/>
-              </a:endParaRPr>
-            </a:p>
-          </p:txBody>
-        </p:sp>
-        <p:sp>
-          <p:nvSpPr>
-            <p:cNvPr id="33819" name="文本框 30"/>
-            <p:cNvSpPr txBox="1"/>
-            <p:nvPr/>
-          </p:nvSpPr>
-          <p:spPr>
-            <a:xfrm>
-              <a:off x="591936" y="1562368"/>
-              <a:ext cx="867858" cy="1372220"/>
-            </a:xfrm>
-            <a:prstGeom prst="rect">
-              <a:avLst/>
-            </a:prstGeom>
-            <a:noFill/>
-            <a:ln w="9525">
-              <a:noFill/>
-            </a:ln>
-          </p:spPr>
-          <p:txBody>
-            <a:bodyPr anchor="t">
-              <a:spAutoFit/>
-            </a:bodyPr>
-            <a:p>
-              <a:pPr>
-                <a:buFont typeface="Arial" panose="020B0604020202020204" pitchFamily="34" charset="0"/>
-              </a:pPr>
-              <a:r>
-                <a:rPr lang="en-US" altLang="zh-CN" sz="6600" dirty="0">
-                  <a:solidFill>
-                    <a:schemeClr val="bg1"/>
-                  </a:solidFill>
-                  <a:ea typeface="SimSun" panose="02010600030101010101" pitchFamily="2" charset="-122"/>
-                  <a:cs typeface="Calibri" panose="020F0502020204030204" pitchFamily="34" charset="0"/>
-                </a:rPr>
-                <a:t>E</a:t>
-              </a:r>
-              <a:endParaRPr lang="en-US" altLang="zh-CN" sz="6600" dirty="0">
-                <a:solidFill>
-                  <a:schemeClr val="bg1"/>
-                </a:solidFill>
-                <a:ea typeface="SimSun" panose="02010600030101010101" pitchFamily="2" charset="-122"/>
-                <a:cs typeface="Calibri" panose="020F0502020204030204" pitchFamily="34" charset="0"/>
-              </a:endParaRPr>
-            </a:p>
-          </p:txBody>
-        </p:sp>
-      </p:grpSp>
       <p:sp>
         <p:nvSpPr>
           <p:cNvPr id="33820" name="文本框 31"/>
@@ -19979,7 +19028,7 @@
         <p:spPr>
           <a:xfrm>
             <a:off x="3074988" y="5173663"/>
-            <a:ext cx="2074862" cy="307975"/>
+            <a:ext cx="2074862" cy="306705"/>
           </a:xfrm>
           <a:prstGeom prst="rect">
             <a:avLst/>
@@ -19998,16 +19047,16 @@
               <a:buFont typeface="Arial" panose="020B0604020202020204" pitchFamily="34" charset="0"/>
             </a:pPr>
             <a:r>
-              <a:rPr lang="en-US" altLang="zh-CN" sz="1400" dirty="0">
+              <a:rPr lang="en-US" sz="1400" dirty="0">
                 <a:solidFill>
                   <a:srgbClr val="424242"/>
                 </a:solidFill>
                 <a:ea typeface="SimSun" panose="02010600030101010101" pitchFamily="2" charset="-122"/>
                 <a:cs typeface="Calibri" panose="020F0502020204030204" pitchFamily="34" charset="0"/>
               </a:rPr>
-              <a:t>ADD YOUR NAME</a:t>
+              <a:t>Lia Ghita</a:t>
             </a:r>
-            <a:endParaRPr lang="zh-CN" altLang="en-US" sz="1400" dirty="0">
+            <a:endParaRPr lang="en-US" sz="1400" dirty="0">
               <a:solidFill>
                 <a:srgbClr val="424242"/>
               </a:solidFill>

--- a/HabitTracker.pptx
+++ b/HabitTracker.pptx
@@ -13127,7 +13127,7 @@
       </p:sp>
       <p:pic>
         <p:nvPicPr>
-          <p:cNvPr id="2" name="Picture 1" descr="listainsigne"/>
+          <p:cNvPr id="4" name="Picture 3" descr="insigne"/>
           <p:cNvPicPr>
             <a:picLocks noChangeAspect="1"/>
           </p:cNvPicPr>
@@ -13141,8 +13141,8 @@
         </p:blipFill>
         <p:spPr>
           <a:xfrm>
-            <a:off x="2058670" y="1572895"/>
-            <a:ext cx="5059680" cy="3835400"/>
+            <a:off x="1929765" y="1496060"/>
+            <a:ext cx="5502910" cy="4208780"/>
           </a:xfrm>
           <a:prstGeom prst="rect">
             <a:avLst/>
@@ -13158,7 +13158,7 @@
       </p:pic>
       <p:pic>
         <p:nvPicPr>
-          <p:cNvPr id="3" name="Picture 2" descr="badge"/>
+          <p:cNvPr id="11" name="Picture 10" descr="badgeij"/>
           <p:cNvPicPr>
             <a:picLocks noChangeAspect="1"/>
           </p:cNvPicPr>
@@ -13172,8 +13172,8 @@
         </p:blipFill>
         <p:spPr>
           <a:xfrm>
-            <a:off x="7313930" y="394335"/>
-            <a:ext cx="4643120" cy="5928995"/>
+            <a:off x="7495540" y="210820"/>
+            <a:ext cx="4370705" cy="6436360"/>
           </a:xfrm>
           <a:prstGeom prst="rect">
             <a:avLst/>
